--- a/Blood4Life/Sprint-1/Documentos-Contextualização/PPT V1 (1).pptx
+++ b/Blood4Life/Sprint-1/Documentos-Contextualização/PPT V1 (1).pptx
@@ -8773,7 +8773,7 @@
             </a:pPr>
             <a:r>
               <a:rPr lang="pt-BR" sz="2000" noProof="1"/>
-              <a:t>Diagrama do Projeto.</a:t>
+              <a:t>Diagrama de Classe Projeto.</a:t>
             </a:r>
           </a:p>
           <a:p>
@@ -9016,7 +9016,7 @@
         </p:spPr>
         <p:txBody>
           <a:bodyPr vert="horz" lIns="91440" tIns="45720" rIns="91440" bIns="45720" rtlCol="0" anchor="ctr">
-            <a:normAutofit/>
+            <a:normAutofit lnSpcReduction="10000"/>
           </a:bodyPr>
           <a:lstStyle>
             <a:lvl1pPr algn="r" defTabSz="914400" rtl="0" eaLnBrk="1" latinLnBrk="0" hangingPunct="1">
@@ -9041,7 +9041,7 @@
             <a:pPr algn="ctr"/>
             <a:r>
               <a:rPr lang="pt-BR" noProof="1"/>
-              <a:t>Diagrama</a:t>
+              <a:t>Diagrama de classe</a:t>
             </a:r>
           </a:p>
         </p:txBody>
@@ -13106,15 +13106,6 @@
 </file>
 
 <file path=customXml/item1.xml><?xml version="1.0" encoding="utf-8"?>
-<?mso-contentType ?>
-<FormTemplates xmlns="http://schemas.microsoft.com/sharepoint/v3/contenttype/forms">
-  <Display>DocumentLibraryForm</Display>
-  <Edit>DocumentLibraryForm</Edit>
-  <New>DocumentLibraryForm</New>
-</FormTemplates>
-</file>
-
-<file path=customXml/item2.xml><?xml version="1.0" encoding="utf-8"?>
 <ct:contentTypeSchema xmlns:ct="http://schemas.microsoft.com/office/2006/metadata/contentType" xmlns:ma="http://schemas.microsoft.com/office/2006/metadata/properties/metaAttributes" ct:_="" ma:_="" ma:contentTypeName="Document" ma:contentTypeID="0x01010079F111ED35F8CC479449609E8A0923A6" ma:contentTypeVersion="11" ma:contentTypeDescription="Create a new document." ma:contentTypeScope="" ma:versionID="9677210f24a1be23c92c90fd886aa0aa">
   <xsd:schema xmlns:xsd="http://www.w3.org/2001/XMLSchema" xmlns:xs="http://www.w3.org/2001/XMLSchema" xmlns:p="http://schemas.microsoft.com/office/2006/metadata/properties" xmlns:ns2="71af3243-3dd4-4a8d-8c0d-dd76da1f02a5" xmlns:ns3="16c05727-aa75-4e4a-9b5f-8a80a1165891" targetNamespace="http://schemas.microsoft.com/office/2006/metadata/properties" ma:root="true" ma:fieldsID="60e05723c5c1908df1a1a4ebf11d344e" ns2:_="" ns3:_="">
     <xsd:import namespace="71af3243-3dd4-4a8d-8c0d-dd76da1f02a5"/>
@@ -13325,6 +13316,15 @@
 </ct:contentTypeSchema>
 </file>
 
+<file path=customXml/item2.xml><?xml version="1.0" encoding="utf-8"?>
+<?mso-contentType ?>
+<FormTemplates xmlns="http://schemas.microsoft.com/sharepoint/v3/contenttype/forms">
+  <Display>DocumentLibraryForm</Display>
+  <Edit>DocumentLibraryForm</Edit>
+  <New>DocumentLibraryForm</New>
+</FormTemplates>
+</file>
+
 <file path=customXml/item3.xml><?xml version="1.0" encoding="utf-8"?>
 <p:properties xmlns:p="http://schemas.microsoft.com/office/2006/metadata/properties" xmlns:xsi="http://www.w3.org/2001/XMLSchema-instance" xmlns:pc="http://schemas.microsoft.com/office/infopath/2007/PartnerControls">
   <documentManagement>
@@ -13334,14 +13334,6 @@
 </file>
 
 <file path=customXml/itemProps1.xml><?xml version="1.0" encoding="utf-8"?>
-<ds:datastoreItem xmlns:ds="http://schemas.openxmlformats.org/officeDocument/2006/customXml" ds:itemID="{10BEB954-4024-4CCF-A9D6-4C00FDC028D9}">
-  <ds:schemaRefs>
-    <ds:schemaRef ds:uri="http://schemas.microsoft.com/sharepoint/v3/contenttype/forms"/>
-  </ds:schemaRefs>
-</ds:datastoreItem>
-</file>
-
-<file path=customXml/itemProps2.xml><?xml version="1.0" encoding="utf-8"?>
 <ds:datastoreItem xmlns:ds="http://schemas.openxmlformats.org/officeDocument/2006/customXml" ds:itemID="{AB96CC85-5758-41C0-8EFD-737AFB69121D}">
   <ds:schemaRefs>
     <ds:schemaRef ds:uri="http://schemas.microsoft.com/office/2006/metadata/contentType"/>
@@ -13360,6 +13352,14 @@
 </ds:datastoreItem>
 </file>
 
+<file path=customXml/itemProps2.xml><?xml version="1.0" encoding="utf-8"?>
+<ds:datastoreItem xmlns:ds="http://schemas.openxmlformats.org/officeDocument/2006/customXml" ds:itemID="{10BEB954-4024-4CCF-A9D6-4C00FDC028D9}">
+  <ds:schemaRefs>
+    <ds:schemaRef ds:uri="http://schemas.microsoft.com/sharepoint/v3/contenttype/forms"/>
+  </ds:schemaRefs>
+</ds:datastoreItem>
+</file>
+
 <file path=customXml/itemProps3.xml><?xml version="1.0" encoding="utf-8"?>
 <ds:datastoreItem xmlns:ds="http://schemas.openxmlformats.org/officeDocument/2006/customXml" ds:itemID="{4710EE66-8707-456F-8F2E-091D581CB030}">
   <ds:schemaRefs>

--- a/Blood4Life/Sprint-1/Documentos-Contextualização/PPT V1 (1).pptx
+++ b/Blood4Life/Sprint-1/Documentos-Contextualização/PPT V1 (1).pptx
@@ -5,28 +5,31 @@
     <p:sldMasterId id="2147483648" r:id="rId4"/>
   </p:sldMasterIdLst>
   <p:notesMasterIdLst>
-    <p:notesMasterId r:id="rId21"/>
+    <p:notesMasterId r:id="rId24"/>
   </p:notesMasterIdLst>
   <p:handoutMasterIdLst>
-    <p:handoutMasterId r:id="rId22"/>
+    <p:handoutMasterId r:id="rId25"/>
   </p:handoutMasterIdLst>
   <p:sldIdLst>
     <p:sldId id="256" r:id="rId5"/>
     <p:sldId id="257" r:id="rId6"/>
-    <p:sldId id="259" r:id="rId7"/>
-    <p:sldId id="260" r:id="rId8"/>
-    <p:sldId id="261" r:id="rId9"/>
-    <p:sldId id="262" r:id="rId10"/>
-    <p:sldId id="258" r:id="rId11"/>
-    <p:sldId id="263" r:id="rId12"/>
-    <p:sldId id="266" r:id="rId13"/>
-    <p:sldId id="264" r:id="rId14"/>
-    <p:sldId id="268" r:id="rId15"/>
-    <p:sldId id="267" r:id="rId16"/>
-    <p:sldId id="269" r:id="rId17"/>
-    <p:sldId id="265" r:id="rId18"/>
-    <p:sldId id="270" r:id="rId19"/>
-    <p:sldId id="271" r:id="rId20"/>
+    <p:sldId id="272" r:id="rId7"/>
+    <p:sldId id="273" r:id="rId8"/>
+    <p:sldId id="274" r:id="rId9"/>
+    <p:sldId id="259" r:id="rId10"/>
+    <p:sldId id="260" r:id="rId11"/>
+    <p:sldId id="261" r:id="rId12"/>
+    <p:sldId id="262" r:id="rId13"/>
+    <p:sldId id="258" r:id="rId14"/>
+    <p:sldId id="263" r:id="rId15"/>
+    <p:sldId id="266" r:id="rId16"/>
+    <p:sldId id="264" r:id="rId17"/>
+    <p:sldId id="268" r:id="rId18"/>
+    <p:sldId id="267" r:id="rId19"/>
+    <p:sldId id="269" r:id="rId20"/>
+    <p:sldId id="265" r:id="rId21"/>
+    <p:sldId id="270" r:id="rId22"/>
+    <p:sldId id="271" r:id="rId23"/>
   </p:sldIdLst>
   <p:sldSz cx="12192000" cy="6858000"/>
   <p:notesSz cx="6858000" cy="9144000"/>
@@ -766,7 +769,7 @@
       </p:grpSpPr>
       <p:sp>
         <p:nvSpPr>
-          <p:cNvPr id="2" name="Espaço Reservado para Imagem do Slide 1"/>
+          <p:cNvPr id="2" name="Espaço reservado para a imagem do slide 1"/>
           <p:cNvSpPr>
             <a:spLocks noGrp="1" noRot="1" noChangeAspect="1"/>
           </p:cNvSpPr>
@@ -823,7 +826,7 @@
     </p:spTree>
     <p:extLst>
       <p:ext uri="{BB962C8B-B14F-4D97-AF65-F5344CB8AC3E}">
-        <p14:creationId xmlns:p14="http://schemas.microsoft.com/office/powerpoint/2010/main" val="1349601548"/>
+        <p14:creationId xmlns:p14="http://schemas.microsoft.com/office/powerpoint/2010/main" val="1698521457"/>
       </p:ext>
     </p:extLst>
   </p:cSld>
@@ -909,7 +912,7 @@
     </p:spTree>
     <p:extLst>
       <p:ext uri="{BB962C8B-B14F-4D97-AF65-F5344CB8AC3E}">
-        <p14:creationId xmlns:p14="http://schemas.microsoft.com/office/powerpoint/2010/main" val="1571843420"/>
+        <p14:creationId xmlns:p14="http://schemas.microsoft.com/office/powerpoint/2010/main" val="1627660772"/>
       </p:ext>
     </p:extLst>
   </p:cSld>
@@ -938,7 +941,7 @@
       </p:grpSpPr>
       <p:sp>
         <p:nvSpPr>
-          <p:cNvPr id="2" name="Espaço reservado para a imagem do slide 1"/>
+          <p:cNvPr id="2" name="Espaço Reservado para Imagem do Slide 1"/>
           <p:cNvSpPr>
             <a:spLocks noGrp="1" noRot="1" noChangeAspect="1"/>
           </p:cNvSpPr>
@@ -995,7 +998,7 @@
     </p:spTree>
     <p:extLst>
       <p:ext uri="{BB962C8B-B14F-4D97-AF65-F5344CB8AC3E}">
-        <p14:creationId xmlns:p14="http://schemas.microsoft.com/office/powerpoint/2010/main" val="1147568720"/>
+        <p14:creationId xmlns:p14="http://schemas.microsoft.com/office/powerpoint/2010/main" val="1213649810"/>
       </p:ext>
     </p:extLst>
   </p:cSld>
@@ -1081,7 +1084,7 @@
     </p:spTree>
     <p:extLst>
       <p:ext uri="{BB962C8B-B14F-4D97-AF65-F5344CB8AC3E}">
-        <p14:creationId xmlns:p14="http://schemas.microsoft.com/office/powerpoint/2010/main" val="3932856053"/>
+        <p14:creationId xmlns:p14="http://schemas.microsoft.com/office/powerpoint/2010/main" val="1349601548"/>
       </p:ext>
     </p:extLst>
   </p:cSld>
@@ -1167,7 +1170,7 @@
     </p:spTree>
     <p:extLst>
       <p:ext uri="{BB962C8B-B14F-4D97-AF65-F5344CB8AC3E}">
-        <p14:creationId xmlns:p14="http://schemas.microsoft.com/office/powerpoint/2010/main" val="3049680406"/>
+        <p14:creationId xmlns:p14="http://schemas.microsoft.com/office/powerpoint/2010/main" val="1571843420"/>
       </p:ext>
     </p:extLst>
   </p:cSld>
@@ -1196,7 +1199,7 @@
       </p:grpSpPr>
       <p:sp>
         <p:nvSpPr>
-          <p:cNvPr id="2" name="Espaço Reservado para Imagem do Slide 1"/>
+          <p:cNvPr id="2" name="Espaço reservado para a imagem do slide 1"/>
           <p:cNvSpPr>
             <a:spLocks noGrp="1" noRot="1" noChangeAspect="1"/>
           </p:cNvSpPr>
@@ -1253,7 +1256,7 @@
     </p:spTree>
     <p:extLst>
       <p:ext uri="{BB962C8B-B14F-4D97-AF65-F5344CB8AC3E}">
-        <p14:creationId xmlns:p14="http://schemas.microsoft.com/office/powerpoint/2010/main" val="780849678"/>
+        <p14:creationId xmlns:p14="http://schemas.microsoft.com/office/powerpoint/2010/main" val="1147568720"/>
       </p:ext>
     </p:extLst>
   </p:cSld>
@@ -1331,6 +1334,264 @@
             <a:fld id="{5603C52C-5E29-41AF-BAA3-8217E886DA08}" type="slidenum">
               <a:rPr lang="pt-BR" noProof="1" smtClean="0"/>
               <a:t>16</a:t>
+            </a:fld>
+            <a:endParaRPr lang="pt-BR" noProof="1"/>
+          </a:p>
+        </p:txBody>
+      </p:sp>
+    </p:spTree>
+    <p:extLst>
+      <p:ext uri="{BB962C8B-B14F-4D97-AF65-F5344CB8AC3E}">
+        <p14:creationId xmlns:p14="http://schemas.microsoft.com/office/powerpoint/2010/main" val="3932856053"/>
+      </p:ext>
+    </p:extLst>
+  </p:cSld>
+  <p:clrMapOvr>
+    <a:masterClrMapping/>
+  </p:clrMapOvr>
+</p:notes>
+</file>
+
+<file path=ppt/notesSlides/notesSlide17.xml><?xml version="1.0" encoding="utf-8"?>
+<p:notes xmlns:a="http://schemas.openxmlformats.org/drawingml/2006/main" xmlns:r="http://schemas.openxmlformats.org/officeDocument/2006/relationships" xmlns:p="http://schemas.openxmlformats.org/presentationml/2006/main">
+  <p:cSld>
+    <p:spTree>
+      <p:nvGrpSpPr>
+        <p:cNvPr id="1" name=""/>
+        <p:cNvGrpSpPr/>
+        <p:nvPr/>
+      </p:nvGrpSpPr>
+      <p:grpSpPr>
+        <a:xfrm>
+          <a:off x="0" y="0"/>
+          <a:ext cx="0" cy="0"/>
+          <a:chOff x="0" y="0"/>
+          <a:chExt cx="0" cy="0"/>
+        </a:xfrm>
+      </p:grpSpPr>
+      <p:sp>
+        <p:nvSpPr>
+          <p:cNvPr id="2" name="Espaço Reservado para Imagem do Slide 1"/>
+          <p:cNvSpPr>
+            <a:spLocks noGrp="1" noRot="1" noChangeAspect="1"/>
+          </p:cNvSpPr>
+          <p:nvPr>
+            <p:ph type="sldImg"/>
+          </p:nvPr>
+        </p:nvSpPr>
+        <p:spPr/>
+      </p:sp>
+      <p:sp>
+        <p:nvSpPr>
+          <p:cNvPr id="3" name="Espaço reservado para anotações 2"/>
+          <p:cNvSpPr>
+            <a:spLocks noGrp="1"/>
+          </p:cNvSpPr>
+          <p:nvPr>
+            <p:ph type="body" idx="1"/>
+          </p:nvPr>
+        </p:nvSpPr>
+        <p:spPr/>
+        <p:txBody>
+          <a:bodyPr rtlCol="0"/>
+          <a:lstStyle/>
+          <a:p>
+            <a:pPr rtl="0"/>
+            <a:endParaRPr lang="pt-BR" noProof="1"/>
+          </a:p>
+        </p:txBody>
+      </p:sp>
+      <p:sp>
+        <p:nvSpPr>
+          <p:cNvPr id="4" name="Espaço Reservado para o Número do Slide 3"/>
+          <p:cNvSpPr>
+            <a:spLocks noGrp="1"/>
+          </p:cNvSpPr>
+          <p:nvPr>
+            <p:ph type="sldNum" sz="quarter" idx="10"/>
+          </p:nvPr>
+        </p:nvSpPr>
+        <p:spPr/>
+        <p:txBody>
+          <a:bodyPr rtlCol="0"/>
+          <a:lstStyle/>
+          <a:p>
+            <a:pPr rtl="0"/>
+            <a:fld id="{5603C52C-5E29-41AF-BAA3-8217E886DA08}" type="slidenum">
+              <a:rPr lang="pt-BR" noProof="1" smtClean="0"/>
+              <a:t>17</a:t>
+            </a:fld>
+            <a:endParaRPr lang="pt-BR" noProof="1"/>
+          </a:p>
+        </p:txBody>
+      </p:sp>
+    </p:spTree>
+    <p:extLst>
+      <p:ext uri="{BB962C8B-B14F-4D97-AF65-F5344CB8AC3E}">
+        <p14:creationId xmlns:p14="http://schemas.microsoft.com/office/powerpoint/2010/main" val="3049680406"/>
+      </p:ext>
+    </p:extLst>
+  </p:cSld>
+  <p:clrMapOvr>
+    <a:masterClrMapping/>
+  </p:clrMapOvr>
+</p:notes>
+</file>
+
+<file path=ppt/notesSlides/notesSlide18.xml><?xml version="1.0" encoding="utf-8"?>
+<p:notes xmlns:a="http://schemas.openxmlformats.org/drawingml/2006/main" xmlns:r="http://schemas.openxmlformats.org/officeDocument/2006/relationships" xmlns:p="http://schemas.openxmlformats.org/presentationml/2006/main">
+  <p:cSld>
+    <p:spTree>
+      <p:nvGrpSpPr>
+        <p:cNvPr id="1" name=""/>
+        <p:cNvGrpSpPr/>
+        <p:nvPr/>
+      </p:nvGrpSpPr>
+      <p:grpSpPr>
+        <a:xfrm>
+          <a:off x="0" y="0"/>
+          <a:ext cx="0" cy="0"/>
+          <a:chOff x="0" y="0"/>
+          <a:chExt cx="0" cy="0"/>
+        </a:xfrm>
+      </p:grpSpPr>
+      <p:sp>
+        <p:nvSpPr>
+          <p:cNvPr id="2" name="Espaço Reservado para Imagem do Slide 1"/>
+          <p:cNvSpPr>
+            <a:spLocks noGrp="1" noRot="1" noChangeAspect="1"/>
+          </p:cNvSpPr>
+          <p:nvPr>
+            <p:ph type="sldImg"/>
+          </p:nvPr>
+        </p:nvSpPr>
+        <p:spPr/>
+      </p:sp>
+      <p:sp>
+        <p:nvSpPr>
+          <p:cNvPr id="3" name="Espaço reservado para anotações 2"/>
+          <p:cNvSpPr>
+            <a:spLocks noGrp="1"/>
+          </p:cNvSpPr>
+          <p:nvPr>
+            <p:ph type="body" idx="1"/>
+          </p:nvPr>
+        </p:nvSpPr>
+        <p:spPr/>
+        <p:txBody>
+          <a:bodyPr rtlCol="0"/>
+          <a:lstStyle/>
+          <a:p>
+            <a:pPr rtl="0"/>
+            <a:endParaRPr lang="pt-BR" noProof="1"/>
+          </a:p>
+        </p:txBody>
+      </p:sp>
+      <p:sp>
+        <p:nvSpPr>
+          <p:cNvPr id="4" name="Espaço Reservado para o Número do Slide 3"/>
+          <p:cNvSpPr>
+            <a:spLocks noGrp="1"/>
+          </p:cNvSpPr>
+          <p:nvPr>
+            <p:ph type="sldNum" sz="quarter" idx="10"/>
+          </p:nvPr>
+        </p:nvSpPr>
+        <p:spPr/>
+        <p:txBody>
+          <a:bodyPr rtlCol="0"/>
+          <a:lstStyle/>
+          <a:p>
+            <a:pPr rtl="0"/>
+            <a:fld id="{5603C52C-5E29-41AF-BAA3-8217E886DA08}" type="slidenum">
+              <a:rPr lang="pt-BR" noProof="1" smtClean="0"/>
+              <a:t>18</a:t>
+            </a:fld>
+            <a:endParaRPr lang="pt-BR" noProof="1"/>
+          </a:p>
+        </p:txBody>
+      </p:sp>
+    </p:spTree>
+    <p:extLst>
+      <p:ext uri="{BB962C8B-B14F-4D97-AF65-F5344CB8AC3E}">
+        <p14:creationId xmlns:p14="http://schemas.microsoft.com/office/powerpoint/2010/main" val="780849678"/>
+      </p:ext>
+    </p:extLst>
+  </p:cSld>
+  <p:clrMapOvr>
+    <a:masterClrMapping/>
+  </p:clrMapOvr>
+</p:notes>
+</file>
+
+<file path=ppt/notesSlides/notesSlide19.xml><?xml version="1.0" encoding="utf-8"?>
+<p:notes xmlns:a="http://schemas.openxmlformats.org/drawingml/2006/main" xmlns:r="http://schemas.openxmlformats.org/officeDocument/2006/relationships" xmlns:p="http://schemas.openxmlformats.org/presentationml/2006/main">
+  <p:cSld>
+    <p:spTree>
+      <p:nvGrpSpPr>
+        <p:cNvPr id="1" name=""/>
+        <p:cNvGrpSpPr/>
+        <p:nvPr/>
+      </p:nvGrpSpPr>
+      <p:grpSpPr>
+        <a:xfrm>
+          <a:off x="0" y="0"/>
+          <a:ext cx="0" cy="0"/>
+          <a:chOff x="0" y="0"/>
+          <a:chExt cx="0" cy="0"/>
+        </a:xfrm>
+      </p:grpSpPr>
+      <p:sp>
+        <p:nvSpPr>
+          <p:cNvPr id="2" name="Espaço Reservado para Imagem do Slide 1"/>
+          <p:cNvSpPr>
+            <a:spLocks noGrp="1" noRot="1" noChangeAspect="1"/>
+          </p:cNvSpPr>
+          <p:nvPr>
+            <p:ph type="sldImg"/>
+          </p:nvPr>
+        </p:nvSpPr>
+        <p:spPr/>
+      </p:sp>
+      <p:sp>
+        <p:nvSpPr>
+          <p:cNvPr id="3" name="Espaço reservado para anotações 2"/>
+          <p:cNvSpPr>
+            <a:spLocks noGrp="1"/>
+          </p:cNvSpPr>
+          <p:nvPr>
+            <p:ph type="body" idx="1"/>
+          </p:nvPr>
+        </p:nvSpPr>
+        <p:spPr/>
+        <p:txBody>
+          <a:bodyPr rtlCol="0"/>
+          <a:lstStyle/>
+          <a:p>
+            <a:pPr rtl="0"/>
+            <a:endParaRPr lang="pt-BR" noProof="1"/>
+          </a:p>
+        </p:txBody>
+      </p:sp>
+      <p:sp>
+        <p:nvSpPr>
+          <p:cNvPr id="4" name="Espaço Reservado para o Número do Slide 3"/>
+          <p:cNvSpPr>
+            <a:spLocks noGrp="1"/>
+          </p:cNvSpPr>
+          <p:nvPr>
+            <p:ph type="sldNum" sz="quarter" idx="10"/>
+          </p:nvPr>
+        </p:nvSpPr>
+        <p:spPr/>
+        <p:txBody>
+          <a:bodyPr rtlCol="0"/>
+          <a:lstStyle/>
+          <a:p>
+            <a:pPr rtl="0"/>
+            <a:fld id="{5603C52C-5E29-41AF-BAA3-8217E886DA08}" type="slidenum">
+              <a:rPr lang="pt-BR" noProof="1" smtClean="0"/>
+              <a:t>19</a:t>
             </a:fld>
             <a:endParaRPr lang="pt-BR" noProof="1"/>
           </a:p>
@@ -1511,7 +1772,7 @@
     </p:spTree>
     <p:extLst>
       <p:ext uri="{BB962C8B-B14F-4D97-AF65-F5344CB8AC3E}">
-        <p14:creationId xmlns:p14="http://schemas.microsoft.com/office/powerpoint/2010/main" val="2288612441"/>
+        <p14:creationId xmlns:p14="http://schemas.microsoft.com/office/powerpoint/2010/main" val="4044841733"/>
       </p:ext>
     </p:extLst>
   </p:cSld>
@@ -1597,7 +1858,7 @@
     </p:spTree>
     <p:extLst>
       <p:ext uri="{BB962C8B-B14F-4D97-AF65-F5344CB8AC3E}">
-        <p14:creationId xmlns:p14="http://schemas.microsoft.com/office/powerpoint/2010/main" val="506286777"/>
+        <p14:creationId xmlns:p14="http://schemas.microsoft.com/office/powerpoint/2010/main" val="3369173318"/>
       </p:ext>
     </p:extLst>
   </p:cSld>
@@ -1683,7 +1944,7 @@
     </p:spTree>
     <p:extLst>
       <p:ext uri="{BB962C8B-B14F-4D97-AF65-F5344CB8AC3E}">
-        <p14:creationId xmlns:p14="http://schemas.microsoft.com/office/powerpoint/2010/main" val="2374692683"/>
+        <p14:creationId xmlns:p14="http://schemas.microsoft.com/office/powerpoint/2010/main" val="3584951893"/>
       </p:ext>
     </p:extLst>
   </p:cSld>
@@ -1769,7 +2030,7 @@
     </p:spTree>
     <p:extLst>
       <p:ext uri="{BB962C8B-B14F-4D97-AF65-F5344CB8AC3E}">
-        <p14:creationId xmlns:p14="http://schemas.microsoft.com/office/powerpoint/2010/main" val="3557275146"/>
+        <p14:creationId xmlns:p14="http://schemas.microsoft.com/office/powerpoint/2010/main" val="2288612441"/>
       </p:ext>
     </p:extLst>
   </p:cSld>
@@ -1798,7 +2059,7 @@
       </p:grpSpPr>
       <p:sp>
         <p:nvSpPr>
-          <p:cNvPr id="2" name="Espaço reservado para a imagem do slide 1"/>
+          <p:cNvPr id="2" name="Espaço Reservado para Imagem do Slide 1"/>
           <p:cNvSpPr>
             <a:spLocks noGrp="1" noRot="1" noChangeAspect="1"/>
           </p:cNvSpPr>
@@ -1855,7 +2116,7 @@
     </p:spTree>
     <p:extLst>
       <p:ext uri="{BB962C8B-B14F-4D97-AF65-F5344CB8AC3E}">
-        <p14:creationId xmlns:p14="http://schemas.microsoft.com/office/powerpoint/2010/main" val="1698521457"/>
+        <p14:creationId xmlns:p14="http://schemas.microsoft.com/office/powerpoint/2010/main" val="506286777"/>
       </p:ext>
     </p:extLst>
   </p:cSld>
@@ -1941,7 +2202,7 @@
     </p:spTree>
     <p:extLst>
       <p:ext uri="{BB962C8B-B14F-4D97-AF65-F5344CB8AC3E}">
-        <p14:creationId xmlns:p14="http://schemas.microsoft.com/office/powerpoint/2010/main" val="1627660772"/>
+        <p14:creationId xmlns:p14="http://schemas.microsoft.com/office/powerpoint/2010/main" val="2374692683"/>
       </p:ext>
     </p:extLst>
   </p:cSld>
@@ -2027,7 +2288,7 @@
     </p:spTree>
     <p:extLst>
       <p:ext uri="{BB962C8B-B14F-4D97-AF65-F5344CB8AC3E}">
-        <p14:creationId xmlns:p14="http://schemas.microsoft.com/office/powerpoint/2010/main" val="1213649810"/>
+        <p14:creationId xmlns:p14="http://schemas.microsoft.com/office/powerpoint/2010/main" val="3557275146"/>
       </p:ext>
     </p:extLst>
   </p:cSld>
@@ -7936,10 +8197,10 @@
       </p:grpSpPr>
       <p:sp useBgFill="1">
         <p:nvSpPr>
-          <p:cNvPr id="17" name="Retângulo 16">
+          <p:cNvPr id="8" name="Retângulo 7">
             <a:extLst>
               <a:ext uri="{FF2B5EF4-FFF2-40B4-BE49-F238E27FC236}">
-                <a16:creationId xmlns:a16="http://schemas.microsoft.com/office/drawing/2014/main" id="{50496C6C-A85F-426B-9ED1-3444166CE4E1}"/>
+                <a16:creationId xmlns:a16="http://schemas.microsoft.com/office/drawing/2014/main" id="{A38A195E-584A-485A-BECD-66468900B947}"/>
               </a:ext>
               <a:ext uri="{C183D7F6-B498-43B3-948B-1728B52AA6E4}">
                 <adec:decorative xmlns:adec="http://schemas.microsoft.com/office/drawing/2017/decorative" val="1"/>
@@ -7960,7 +8221,7 @@
         <p:spPr>
           <a:xfrm>
             <a:off x="0" y="0"/>
-            <a:ext cx="12192000" cy="6858002"/>
+            <a:ext cx="12192000" cy="6858000"/>
           </a:xfrm>
           <a:prstGeom prst="rect">
             <a:avLst/>
@@ -7994,21 +8255,21 @@
           </a:p>
         </p:txBody>
       </p:sp>
-      <p:cxnSp>
-        <p:nvCxnSpPr>
-          <p:cNvPr id="19" name="Conector Reto 18">
+      <p:sp>
+        <p:nvSpPr>
+          <p:cNvPr id="10" name="Retângulo 9">
             <a:extLst>
               <a:ext uri="{FF2B5EF4-FFF2-40B4-BE49-F238E27FC236}">
-                <a16:creationId xmlns:a16="http://schemas.microsoft.com/office/drawing/2014/main" id="{AD0EF22F-5D3C-4240-8C32-1B20803E5A89}"/>
+                <a16:creationId xmlns:a16="http://schemas.microsoft.com/office/drawing/2014/main" id="{840177A7-740C-43C7-8F2D-BD7067F12C9C}"/>
               </a:ext>
               <a:ext uri="{C183D7F6-B498-43B3-948B-1728B52AA6E4}">
                 <adec:decorative xmlns:adec="http://schemas.microsoft.com/office/drawing/2017/decorative" val="1"/>
               </a:ext>
             </a:extLst>
           </p:cNvPr>
-          <p:cNvCxnSpPr>
-            <a:cxnSpLocks noGrp="1" noRot="1" noChangeAspect="1" noMove="1" noResize="1" noEditPoints="1" noAdjustHandles="1" noChangeArrowheads="1" noChangeShapeType="1"/>
-          </p:cNvCxnSpPr>
+          <p:cNvSpPr>
+            <a:spLocks noGrp="1" noRot="1" noChangeAspect="1" noMove="1" noResize="1" noEditPoints="1" noAdjustHandles="1" noChangeArrowheads="1" noChangeShapeType="1" noTextEdit="1"/>
+          </p:cNvSpPr>
           <p:nvPr>
             <p:extLst>
               <p:ext uri="{386F3935-93C4-4BCD-93E2-E3B085C9AB24}">
@@ -8016,42 +8277,92 @@
               </p:ext>
             </p:extLst>
           </p:nvPr>
-        </p:nvCxnSpPr>
-        <p:spPr>
-          <a:xfrm>
-            <a:off x="7397108" y="1923563"/>
-            <a:ext cx="0" cy="3017520"/>
-          </a:xfrm>
-          <a:prstGeom prst="line">
+        </p:nvSpPr>
+        <p:spPr>
+          <a:xfrm>
+            <a:off x="0" y="0"/>
+            <a:ext cx="3406393" cy="6858000"/>
+          </a:xfrm>
+          <a:prstGeom prst="rect">
             <a:avLst/>
           </a:prstGeom>
-          <a:ln w="15875">
-            <a:solidFill>
-              <a:schemeClr val="tx1"/>
-            </a:solidFill>
+          <a:solidFill>
+            <a:schemeClr val="bg1">
+              <a:lumMod val="95000"/>
+              <a:lumOff val="5000"/>
+            </a:schemeClr>
+          </a:solidFill>
+          <a:ln>
+            <a:noFill/>
           </a:ln>
+          <a:effectLst>
+            <a:outerShdw blurRad="63500" dist="38100" algn="l" rotWithShape="0">
+              <a:prstClr val="black">
+                <a:alpha val="40000"/>
+              </a:prstClr>
+            </a:outerShdw>
+          </a:effectLst>
         </p:spPr>
         <p:style>
-          <a:lnRef idx="1">
-            <a:schemeClr val="accent1"/>
+          <a:lnRef idx="2">
+            <a:schemeClr val="accent1">
+              <a:shade val="50000"/>
+            </a:schemeClr>
           </a:lnRef>
-          <a:fillRef idx="0">
+          <a:fillRef idx="1">
             <a:schemeClr val="accent1"/>
           </a:fillRef>
           <a:effectRef idx="0">
             <a:schemeClr val="accent1"/>
           </a:effectRef>
           <a:fontRef idx="minor">
-            <a:schemeClr val="tx1"/>
+            <a:schemeClr val="lt1"/>
           </a:fontRef>
         </p:style>
-      </p:cxnSp>
+        <p:txBody>
+          <a:bodyPr rtlCol="0" anchor="ctr"/>
+          <a:lstStyle/>
+          <a:p>
+            <a:pPr marL="0" marR="0" lvl="0" indent="0" algn="ctr" defTabSz="457200" rtl="0" eaLnBrk="1" fontAlgn="auto" latinLnBrk="0" hangingPunct="1">
+              <a:lnSpc>
+                <a:spcPct val="100000"/>
+              </a:lnSpc>
+              <a:spcBef>
+                <a:spcPts val="0"/>
+              </a:spcBef>
+              <a:spcAft>
+                <a:spcPts val="0"/>
+              </a:spcAft>
+              <a:buClrTx/>
+              <a:buSzTx/>
+              <a:buFontTx/>
+              <a:buNone/>
+              <a:tabLst/>
+              <a:defRPr/>
+            </a:pPr>
+            <a:endParaRPr kumimoji="0" lang="pt-BR" sz="1800" b="0" i="0" u="none" strike="noStrike" kern="1200" cap="none" spc="0" normalizeH="0" baseline="0" noProof="1">
+              <a:ln>
+                <a:noFill/>
+              </a:ln>
+              <a:solidFill>
+                <a:prstClr val="white"/>
+              </a:solidFill>
+              <a:effectLst/>
+              <a:uLnTx/>
+              <a:uFillTx/>
+              <a:latin typeface="Century Gothic" panose="020B0502020202020204"/>
+              <a:ea typeface="+mn-ea"/>
+              <a:cs typeface="+mn-cs"/>
+            </a:endParaRPr>
+          </a:p>
+        </p:txBody>
+      </p:sp>
       <p:pic>
         <p:nvPicPr>
-          <p:cNvPr id="21" name="Imagem 20">
+          <p:cNvPr id="12" name="Imagem 11">
             <a:extLst>
               <a:ext uri="{FF2B5EF4-FFF2-40B4-BE49-F238E27FC236}">
-                <a16:creationId xmlns:a16="http://schemas.microsoft.com/office/drawing/2014/main" id="{D912EF34-0253-41FD-9940-D8FBB7DE74B1}"/>
+                <a16:creationId xmlns:a16="http://schemas.microsoft.com/office/drawing/2014/main" id="{FF525AAA-82CE-4027-A26C-B0EFFD856F2E}"/>
               </a:ext>
               <a:ext uri="{C183D7F6-B498-43B3-948B-1728B52AA6E4}">
                 <adec:decorative xmlns:adec="http://schemas.microsoft.com/office/drawing/2017/decorative" val="1"/>
@@ -8082,7 +8393,7 @@
         </p:blipFill>
         <p:spPr>
           <a:xfrm rot="5400000" flipH="1" flipV="1">
-            <a:off x="7545075" y="2187578"/>
+            <a:off x="-1265719" y="2187575"/>
             <a:ext cx="6857999" cy="2482850"/>
           </a:xfrm>
           <a:prstGeom prst="rect">
@@ -8092,92 +8403,95 @@
       </p:pic>
       <p:sp>
         <p:nvSpPr>
-          <p:cNvPr id="18" name="Título 1">
+          <p:cNvPr id="2" name="Título 1">
             <a:extLst>
               <a:ext uri="{FF2B5EF4-FFF2-40B4-BE49-F238E27FC236}">
-                <a16:creationId xmlns:a16="http://schemas.microsoft.com/office/drawing/2014/main" id="{66FA61CC-FCD0-4C1B-8D47-4BF1D1ECA5C2}"/>
+                <a16:creationId xmlns:a16="http://schemas.microsoft.com/office/drawing/2014/main" id="{A389EA88-8D83-4F3F-A4C1-4B16E2377F9E}"/>
               </a:ext>
             </a:extLst>
           </p:cNvPr>
-          <p:cNvSpPr txBox="1">
-            <a:spLocks/>
-          </p:cNvSpPr>
-          <p:nvPr/>
-        </p:nvSpPr>
-        <p:spPr>
-          <a:xfrm>
-            <a:off x="3147797" y="276398"/>
-            <a:ext cx="5896405" cy="1089498"/>
-          </a:xfrm>
-          <a:prstGeom prst="rect">
-            <a:avLst/>
-          </a:prstGeom>
-        </p:spPr>
-        <p:txBody>
-          <a:bodyPr vert="horz" lIns="91440" tIns="45720" rIns="91440" bIns="45720" rtlCol="0" anchor="ctr">
-            <a:normAutofit fontScale="77500" lnSpcReduction="20000"/>
+          <p:cNvSpPr>
+            <a:spLocks noGrp="1"/>
+          </p:cNvSpPr>
+          <p:nvPr>
+            <p:ph type="title"/>
+          </p:nvPr>
+        </p:nvSpPr>
+        <p:spPr>
+          <a:xfrm>
+            <a:off x="4090507" y="764373"/>
+            <a:ext cx="7434070" cy="1474330"/>
+          </a:xfrm>
+        </p:spPr>
+        <p:txBody>
+          <a:bodyPr rtlCol="0">
+            <a:normAutofit/>
           </a:bodyPr>
-          <a:lstStyle>
-            <a:lvl1pPr algn="r" defTabSz="914400" rtl="0" eaLnBrk="1" latinLnBrk="0" hangingPunct="1">
-              <a:lnSpc>
-                <a:spcPct val="90000"/>
-              </a:lnSpc>
-              <a:spcBef>
-                <a:spcPct val="0"/>
-              </a:spcBef>
-              <a:buNone/>
-              <a:defRPr sz="4000" kern="1200" cap="all" baseline="0">
-                <a:solidFill>
-                  <a:schemeClr val="tx1"/>
-                </a:solidFill>
-                <a:latin typeface="+mj-lt"/>
-                <a:ea typeface="+mj-ea"/>
-                <a:cs typeface="+mj-cs"/>
-              </a:defRPr>
-            </a:lvl1pPr>
-          </a:lstStyle>
+          <a:lstStyle/>
           <a:p>
             <a:pPr algn="ctr"/>
             <a:r>
               <a:rPr lang="pt-BR" noProof="1"/>
-              <a:t>Mapa de Empatia Admistradora hospitalar</a:t>
+              <a:t>Pesquisa de Campo</a:t>
             </a:r>
           </a:p>
         </p:txBody>
       </p:sp>
-      <p:pic>
-        <p:nvPicPr>
-          <p:cNvPr id="4" name="Imagem 3" descr="Uma imagem contendo texto&#10;&#10;Descrição gerada automaticamente">
+      <p:sp>
+        <p:nvSpPr>
+          <p:cNvPr id="3" name="Espaço Reservado para Conteúdo 2">
             <a:extLst>
               <a:ext uri="{FF2B5EF4-FFF2-40B4-BE49-F238E27FC236}">
-                <a16:creationId xmlns:a16="http://schemas.microsoft.com/office/drawing/2014/main" id="{25A4E723-FB7D-404A-8F0D-1E44DD5873DE}"/>
+                <a16:creationId xmlns:a16="http://schemas.microsoft.com/office/drawing/2014/main" id="{9F541FAF-730D-47FE-9638-C05616C31320}"/>
               </a:ext>
             </a:extLst>
           </p:cNvPr>
-          <p:cNvPicPr>
-            <a:picLocks noChangeAspect="1"/>
-          </p:cNvPicPr>
-          <p:nvPr/>
-        </p:nvPicPr>
-        <p:blipFill rotWithShape="1">
-          <a:blip r:embed="rId4"/>
-          <a:srcRect b="7447"/>
-          <a:stretch/>
-        </p:blipFill>
-        <p:spPr>
-          <a:xfrm>
-            <a:off x="968971" y="1115335"/>
-            <a:ext cx="8763678" cy="5299980"/>
-          </a:xfrm>
-          <a:prstGeom prst="rect">
-            <a:avLst/>
-          </a:prstGeom>
-        </p:spPr>
-      </p:pic>
+          <p:cNvSpPr>
+            <a:spLocks noGrp="1"/>
+          </p:cNvSpPr>
+          <p:nvPr>
+            <p:ph idx="1"/>
+          </p:nvPr>
+        </p:nvSpPr>
+        <p:spPr>
+          <a:xfrm>
+            <a:off x="4090507" y="2628900"/>
+            <a:ext cx="7454077" cy="3589785"/>
+          </a:xfrm>
+        </p:spPr>
+        <p:txBody>
+          <a:bodyPr rtlCol="0">
+            <a:normAutofit/>
+          </a:bodyPr>
+          <a:lstStyle/>
+          <a:p>
+            <a:pPr rtl="0">
+              <a:lnSpc>
+                <a:spcPct val="100000"/>
+              </a:lnSpc>
+            </a:pPr>
+            <a:r>
+              <a:rPr lang="pt-BR" sz="2000" noProof="1"/>
+              <a:t>Jornada do Usuário.</a:t>
+            </a:r>
+          </a:p>
+          <a:p>
+            <a:pPr rtl="0">
+              <a:lnSpc>
+                <a:spcPct val="100000"/>
+              </a:lnSpc>
+            </a:pPr>
+            <a:r>
+              <a:rPr lang="pt-BR" sz="2000" noProof="1"/>
+              <a:t>Mapa de Empatia. </a:t>
+            </a:r>
+          </a:p>
+        </p:txBody>
+      </p:sp>
     </p:spTree>
     <p:extLst>
       <p:ext uri="{BB962C8B-B14F-4D97-AF65-F5344CB8AC3E}">
-        <p14:creationId xmlns:p14="http://schemas.microsoft.com/office/powerpoint/2010/main" val="2617598072"/>
+        <p14:creationId xmlns:p14="http://schemas.microsoft.com/office/powerpoint/2010/main" val="2936306840"/>
       </p:ext>
     </p:extLst>
   </p:cSld>
@@ -8415,17 +8729,17 @@
             <a:pPr algn="ctr"/>
             <a:r>
               <a:rPr lang="pt-BR" noProof="1"/>
-              <a:t>Mapa de empatia possivel doador</a:t>
+              <a:t>Jornada do Usuário</a:t>
             </a:r>
           </a:p>
         </p:txBody>
       </p:sp>
       <p:pic>
         <p:nvPicPr>
-          <p:cNvPr id="4" name="Imagem 3" descr="Tela de celular com texto preto sobre fundo branco&#10;&#10;Descrição gerada automaticamente">
+          <p:cNvPr id="2" name="Imagem 1">
             <a:extLst>
               <a:ext uri="{FF2B5EF4-FFF2-40B4-BE49-F238E27FC236}">
-                <a16:creationId xmlns:a16="http://schemas.microsoft.com/office/drawing/2014/main" id="{9DC27A2A-A324-43A0-AA29-CFA73F719F2B}"/>
+                <a16:creationId xmlns:a16="http://schemas.microsoft.com/office/drawing/2014/main" id="{9367B5C0-A063-424C-B5F4-EA5786DB1925}"/>
               </a:ext>
             </a:extLst>
           </p:cNvPr>
@@ -8442,8 +8756,8 @@
         </p:blipFill>
         <p:spPr>
           <a:xfrm>
-            <a:off x="1420585" y="1527312"/>
-            <a:ext cx="8288564" cy="4983923"/>
+            <a:off x="587489" y="1527312"/>
+            <a:ext cx="9627806" cy="4535863"/>
           </a:xfrm>
           <a:prstGeom prst="rect">
             <a:avLst/>
@@ -8453,7 +8767,7 @@
     </p:spTree>
     <p:extLst>
       <p:ext uri="{BB962C8B-B14F-4D97-AF65-F5344CB8AC3E}">
-        <p14:creationId xmlns:p14="http://schemas.microsoft.com/office/powerpoint/2010/main" val="1530400092"/>
+        <p14:creationId xmlns:p14="http://schemas.microsoft.com/office/powerpoint/2010/main" val="136265990"/>
       </p:ext>
     </p:extLst>
   </p:cSld>
@@ -8487,10 +8801,10 @@
       </p:grpSpPr>
       <p:sp useBgFill="1">
         <p:nvSpPr>
-          <p:cNvPr id="8" name="Retângulo 7">
+          <p:cNvPr id="17" name="Retângulo 16">
             <a:extLst>
               <a:ext uri="{FF2B5EF4-FFF2-40B4-BE49-F238E27FC236}">
-                <a16:creationId xmlns:a16="http://schemas.microsoft.com/office/drawing/2014/main" id="{A38A195E-584A-485A-BECD-66468900B947}"/>
+                <a16:creationId xmlns:a16="http://schemas.microsoft.com/office/drawing/2014/main" id="{50496C6C-A85F-426B-9ED1-3444166CE4E1}"/>
               </a:ext>
               <a:ext uri="{C183D7F6-B498-43B3-948B-1728B52AA6E4}">
                 <adec:decorative xmlns:adec="http://schemas.microsoft.com/office/drawing/2017/decorative" val="1"/>
@@ -8511,7 +8825,7 @@
         <p:spPr>
           <a:xfrm>
             <a:off x="0" y="0"/>
-            <a:ext cx="12192000" cy="6858000"/>
+            <a:ext cx="12192000" cy="6858002"/>
           </a:xfrm>
           <a:prstGeom prst="rect">
             <a:avLst/>
@@ -8545,21 +8859,21 @@
           </a:p>
         </p:txBody>
       </p:sp>
-      <p:sp>
-        <p:nvSpPr>
-          <p:cNvPr id="10" name="Retângulo 9">
+      <p:cxnSp>
+        <p:nvCxnSpPr>
+          <p:cNvPr id="19" name="Conector Reto 18">
             <a:extLst>
               <a:ext uri="{FF2B5EF4-FFF2-40B4-BE49-F238E27FC236}">
-                <a16:creationId xmlns:a16="http://schemas.microsoft.com/office/drawing/2014/main" id="{840177A7-740C-43C7-8F2D-BD7067F12C9C}"/>
+                <a16:creationId xmlns:a16="http://schemas.microsoft.com/office/drawing/2014/main" id="{AD0EF22F-5D3C-4240-8C32-1B20803E5A89}"/>
               </a:ext>
               <a:ext uri="{C183D7F6-B498-43B3-948B-1728B52AA6E4}">
                 <adec:decorative xmlns:adec="http://schemas.microsoft.com/office/drawing/2017/decorative" val="1"/>
               </a:ext>
             </a:extLst>
           </p:cNvPr>
-          <p:cNvSpPr>
-            <a:spLocks noGrp="1" noRot="1" noChangeAspect="1" noMove="1" noResize="1" noEditPoints="1" noAdjustHandles="1" noChangeArrowheads="1" noChangeShapeType="1" noTextEdit="1"/>
-          </p:cNvSpPr>
+          <p:cNvCxnSpPr>
+            <a:cxnSpLocks noGrp="1" noRot="1" noChangeAspect="1" noMove="1" noResize="1" noEditPoints="1" noAdjustHandles="1" noChangeArrowheads="1" noChangeShapeType="1"/>
+          </p:cNvCxnSpPr>
           <p:nvPr>
             <p:extLst>
               <p:ext uri="{386F3935-93C4-4BCD-93E2-E3B085C9AB24}">
@@ -8567,92 +8881,42 @@
               </p:ext>
             </p:extLst>
           </p:nvPr>
-        </p:nvSpPr>
-        <p:spPr>
-          <a:xfrm>
-            <a:off x="0" y="0"/>
-            <a:ext cx="3406393" cy="6858000"/>
-          </a:xfrm>
-          <a:prstGeom prst="rect">
+        </p:nvCxnSpPr>
+        <p:spPr>
+          <a:xfrm>
+            <a:off x="7397108" y="1923563"/>
+            <a:ext cx="0" cy="3017520"/>
+          </a:xfrm>
+          <a:prstGeom prst="line">
             <a:avLst/>
           </a:prstGeom>
-          <a:solidFill>
-            <a:schemeClr val="bg1">
-              <a:lumMod val="95000"/>
-              <a:lumOff val="5000"/>
-            </a:schemeClr>
-          </a:solidFill>
-          <a:ln>
-            <a:noFill/>
+          <a:ln w="15875">
+            <a:solidFill>
+              <a:schemeClr val="tx1"/>
+            </a:solidFill>
           </a:ln>
-          <a:effectLst>
-            <a:outerShdw blurRad="63500" dist="38100" algn="l" rotWithShape="0">
-              <a:prstClr val="black">
-                <a:alpha val="40000"/>
-              </a:prstClr>
-            </a:outerShdw>
-          </a:effectLst>
         </p:spPr>
         <p:style>
-          <a:lnRef idx="2">
-            <a:schemeClr val="accent1">
-              <a:shade val="50000"/>
-            </a:schemeClr>
+          <a:lnRef idx="1">
+            <a:schemeClr val="accent1"/>
           </a:lnRef>
-          <a:fillRef idx="1">
+          <a:fillRef idx="0">
             <a:schemeClr val="accent1"/>
           </a:fillRef>
           <a:effectRef idx="0">
             <a:schemeClr val="accent1"/>
           </a:effectRef>
           <a:fontRef idx="minor">
-            <a:schemeClr val="lt1"/>
+            <a:schemeClr val="tx1"/>
           </a:fontRef>
         </p:style>
-        <p:txBody>
-          <a:bodyPr rtlCol="0" anchor="ctr"/>
-          <a:lstStyle/>
-          <a:p>
-            <a:pPr marL="0" marR="0" lvl="0" indent="0" algn="ctr" defTabSz="457200" rtl="0" eaLnBrk="1" fontAlgn="auto" latinLnBrk="0" hangingPunct="1">
-              <a:lnSpc>
-                <a:spcPct val="100000"/>
-              </a:lnSpc>
-              <a:spcBef>
-                <a:spcPts val="0"/>
-              </a:spcBef>
-              <a:spcAft>
-                <a:spcPts val="0"/>
-              </a:spcAft>
-              <a:buClrTx/>
-              <a:buSzTx/>
-              <a:buFontTx/>
-              <a:buNone/>
-              <a:tabLst/>
-              <a:defRPr/>
-            </a:pPr>
-            <a:endParaRPr kumimoji="0" lang="pt-BR" sz="1800" b="0" i="0" u="none" strike="noStrike" kern="1200" cap="none" spc="0" normalizeH="0" baseline="0" noProof="1">
-              <a:ln>
-                <a:noFill/>
-              </a:ln>
-              <a:solidFill>
-                <a:prstClr val="white"/>
-              </a:solidFill>
-              <a:effectLst/>
-              <a:uLnTx/>
-              <a:uFillTx/>
-              <a:latin typeface="Century Gothic" panose="020B0502020202020204"/>
-              <a:ea typeface="+mn-ea"/>
-              <a:cs typeface="+mn-cs"/>
-            </a:endParaRPr>
-          </a:p>
-        </p:txBody>
-      </p:sp>
+      </p:cxnSp>
       <p:pic>
         <p:nvPicPr>
-          <p:cNvPr id="12" name="Imagem 11">
+          <p:cNvPr id="21" name="Imagem 20">
             <a:extLst>
               <a:ext uri="{FF2B5EF4-FFF2-40B4-BE49-F238E27FC236}">
-                <a16:creationId xmlns:a16="http://schemas.microsoft.com/office/drawing/2014/main" id="{FF525AAA-82CE-4027-A26C-B0EFFD856F2E}"/>
+                <a16:creationId xmlns:a16="http://schemas.microsoft.com/office/drawing/2014/main" id="{D912EF34-0253-41FD-9940-D8FBB7DE74B1}"/>
               </a:ext>
               <a:ext uri="{C183D7F6-B498-43B3-948B-1728B52AA6E4}">
                 <adec:decorative xmlns:adec="http://schemas.microsoft.com/office/drawing/2017/decorative" val="1"/>
@@ -8683,7 +8947,7 @@
         </p:blipFill>
         <p:spPr>
           <a:xfrm rot="5400000" flipH="1" flipV="1">
-            <a:off x="-1265719" y="2187575"/>
+            <a:off x="7545075" y="2187578"/>
             <a:ext cx="6857999" cy="2482850"/>
           </a:xfrm>
           <a:prstGeom prst="rect">
@@ -8693,117 +8957,93 @@
       </p:pic>
       <p:sp>
         <p:nvSpPr>
-          <p:cNvPr id="2" name="Título 1">
+          <p:cNvPr id="18" name="Título 1">
             <a:extLst>
               <a:ext uri="{FF2B5EF4-FFF2-40B4-BE49-F238E27FC236}">
-                <a16:creationId xmlns:a16="http://schemas.microsoft.com/office/drawing/2014/main" id="{A389EA88-8D83-4F3F-A4C1-4B16E2377F9E}"/>
+                <a16:creationId xmlns:a16="http://schemas.microsoft.com/office/drawing/2014/main" id="{66FA61CC-FCD0-4C1B-8D47-4BF1D1ECA5C2}"/>
               </a:ext>
             </a:extLst>
           </p:cNvPr>
-          <p:cNvSpPr>
-            <a:spLocks noGrp="1"/>
-          </p:cNvSpPr>
-          <p:nvPr>
-            <p:ph type="title"/>
-          </p:nvPr>
-        </p:nvSpPr>
-        <p:spPr>
-          <a:xfrm>
-            <a:off x="4090507" y="764373"/>
-            <a:ext cx="7434070" cy="1474330"/>
-          </a:xfrm>
-        </p:spPr>
-        <p:txBody>
-          <a:bodyPr rtlCol="0">
-            <a:normAutofit/>
+          <p:cNvSpPr txBox="1">
+            <a:spLocks/>
+          </p:cNvSpPr>
+          <p:nvPr/>
+        </p:nvSpPr>
+        <p:spPr>
+          <a:xfrm>
+            <a:off x="3349190" y="218907"/>
+            <a:ext cx="5493618" cy="1089498"/>
+          </a:xfrm>
+          <a:prstGeom prst="rect">
+            <a:avLst/>
+          </a:prstGeom>
+        </p:spPr>
+        <p:txBody>
+          <a:bodyPr vert="horz" lIns="91440" tIns="45720" rIns="91440" bIns="45720" rtlCol="0" anchor="ctr">
+            <a:normAutofit lnSpcReduction="10000"/>
           </a:bodyPr>
-          <a:lstStyle/>
+          <a:lstStyle>
+            <a:lvl1pPr algn="r" defTabSz="914400" rtl="0" eaLnBrk="1" latinLnBrk="0" hangingPunct="1">
+              <a:lnSpc>
+                <a:spcPct val="90000"/>
+              </a:lnSpc>
+              <a:spcBef>
+                <a:spcPct val="0"/>
+              </a:spcBef>
+              <a:buNone/>
+              <a:defRPr sz="4000" kern="1200" cap="all" baseline="0">
+                <a:solidFill>
+                  <a:schemeClr val="tx1"/>
+                </a:solidFill>
+                <a:latin typeface="+mj-lt"/>
+                <a:ea typeface="+mj-ea"/>
+                <a:cs typeface="+mj-cs"/>
+              </a:defRPr>
+            </a:lvl1pPr>
+          </a:lstStyle>
           <a:p>
             <a:pPr algn="ctr"/>
             <a:r>
               <a:rPr lang="pt-BR" noProof="1"/>
-              <a:t>Estrutura do projeto</a:t>
+              <a:t>Mapa de Empatia doador</a:t>
             </a:r>
           </a:p>
         </p:txBody>
       </p:sp>
-      <p:sp>
-        <p:nvSpPr>
-          <p:cNvPr id="3" name="Espaço Reservado para Conteúdo 2">
+      <p:pic>
+        <p:nvPicPr>
+          <p:cNvPr id="4" name="Imagem 3" descr="Uma imagem contendo mapa&#10;&#10;Descrição gerada automaticamente">
             <a:extLst>
               <a:ext uri="{FF2B5EF4-FFF2-40B4-BE49-F238E27FC236}">
-                <a16:creationId xmlns:a16="http://schemas.microsoft.com/office/drawing/2014/main" id="{9F541FAF-730D-47FE-9638-C05616C31320}"/>
+                <a16:creationId xmlns:a16="http://schemas.microsoft.com/office/drawing/2014/main" id="{B6968916-A513-4740-9389-EB800BF333C2}"/>
               </a:ext>
             </a:extLst>
           </p:cNvPr>
-          <p:cNvSpPr>
-            <a:spLocks noGrp="1"/>
-          </p:cNvSpPr>
-          <p:nvPr>
-            <p:ph idx="1"/>
-          </p:nvPr>
-        </p:nvSpPr>
-        <p:spPr>
-          <a:xfrm>
-            <a:off x="4090507" y="2628900"/>
-            <a:ext cx="7454077" cy="3589785"/>
-          </a:xfrm>
-        </p:spPr>
-        <p:txBody>
-          <a:bodyPr rtlCol="0">
-            <a:normAutofit/>
-          </a:bodyPr>
-          <a:lstStyle/>
-          <a:p>
-            <a:pPr>
-              <a:lnSpc>
-                <a:spcPct val="100000"/>
-              </a:lnSpc>
-            </a:pPr>
-            <a:r>
-              <a:rPr lang="pt-BR" sz="2000" noProof="1"/>
-              <a:t>Protótipo.</a:t>
-            </a:r>
-          </a:p>
-          <a:p>
-            <a:pPr>
-              <a:lnSpc>
-                <a:spcPct val="100000"/>
-              </a:lnSpc>
-            </a:pPr>
-            <a:r>
-              <a:rPr lang="pt-BR" sz="2000" noProof="1"/>
-              <a:t>Diagrama de Classe Projeto.</a:t>
-            </a:r>
-          </a:p>
-          <a:p>
-            <a:pPr rtl="0">
-              <a:lnSpc>
-                <a:spcPct val="100000"/>
-              </a:lnSpc>
-            </a:pPr>
-            <a:r>
-              <a:rPr lang="pt-BR" sz="2000" noProof="1"/>
-              <a:t>Protótipo SpringBoot.</a:t>
-            </a:r>
-          </a:p>
-          <a:p>
-            <a:pPr rtl="0">
-              <a:lnSpc>
-                <a:spcPct val="100000"/>
-              </a:lnSpc>
-            </a:pPr>
-            <a:r>
-              <a:rPr lang="pt-BR" sz="2000" noProof="1"/>
-              <a:t>Serviço de Login. </a:t>
-            </a:r>
-          </a:p>
-        </p:txBody>
-      </p:sp>
+          <p:cNvPicPr>
+            <a:picLocks noChangeAspect="1"/>
+          </p:cNvPicPr>
+          <p:nvPr/>
+        </p:nvPicPr>
+        <p:blipFill>
+          <a:blip r:embed="rId4"/>
+          <a:stretch>
+            <a:fillRect/>
+          </a:stretch>
+        </p:blipFill>
+        <p:spPr>
+          <a:xfrm>
+            <a:off x="1202961" y="1308405"/>
+            <a:ext cx="8084767" cy="5065476"/>
+          </a:xfrm>
+          <a:prstGeom prst="rect">
+            <a:avLst/>
+          </a:prstGeom>
+        </p:spPr>
+      </p:pic>
     </p:spTree>
     <p:extLst>
       <p:ext uri="{BB962C8B-B14F-4D97-AF65-F5344CB8AC3E}">
-        <p14:creationId xmlns:p14="http://schemas.microsoft.com/office/powerpoint/2010/main" val="2765996365"/>
+        <p14:creationId xmlns:p14="http://schemas.microsoft.com/office/powerpoint/2010/main" val="2426230815"/>
       </p:ext>
     </p:extLst>
   </p:cSld>
@@ -9007,8 +9247,8 @@
         </p:nvSpPr>
         <p:spPr>
           <a:xfrm>
-            <a:off x="3349190" y="218907"/>
-            <a:ext cx="5493618" cy="1089498"/>
+            <a:off x="3147797" y="276398"/>
+            <a:ext cx="5896405" cy="1089498"/>
           </a:xfrm>
           <a:prstGeom prst="rect">
             <a:avLst/>
@@ -9016,7 +9256,7 @@
         </p:spPr>
         <p:txBody>
           <a:bodyPr vert="horz" lIns="91440" tIns="45720" rIns="91440" bIns="45720" rtlCol="0" anchor="ctr">
-            <a:normAutofit lnSpcReduction="10000"/>
+            <a:normAutofit fontScale="77500" lnSpcReduction="20000"/>
           </a:bodyPr>
           <a:lstStyle>
             <a:lvl1pPr algn="r" defTabSz="914400" rtl="0" eaLnBrk="1" latinLnBrk="0" hangingPunct="1">
@@ -9041,17 +9281,17 @@
             <a:pPr algn="ctr"/>
             <a:r>
               <a:rPr lang="pt-BR" noProof="1"/>
-              <a:t>Diagrama de classe</a:t>
+              <a:t>Mapa de Empatia Admistradora hospitalar</a:t>
             </a:r>
           </a:p>
         </p:txBody>
       </p:sp>
       <p:pic>
         <p:nvPicPr>
-          <p:cNvPr id="3" name="Imagem 2" descr="Tela de computador com fundo branco&#10;&#10;Descrição gerada automaticamente">
+          <p:cNvPr id="4" name="Imagem 3" descr="Uma imagem contendo texto&#10;&#10;Descrição gerada automaticamente">
             <a:extLst>
               <a:ext uri="{FF2B5EF4-FFF2-40B4-BE49-F238E27FC236}">
-                <a16:creationId xmlns:a16="http://schemas.microsoft.com/office/drawing/2014/main" id="{734A8D51-F6C3-47E6-9E6A-AAFB201B601C}"/>
+                <a16:creationId xmlns:a16="http://schemas.microsoft.com/office/drawing/2014/main" id="{25A4E723-FB7D-404A-8F0D-1E44DD5873DE}"/>
               </a:ext>
             </a:extLst>
           </p:cNvPr>
@@ -9060,16 +9300,15 @@
           </p:cNvPicPr>
           <p:nvPr/>
         </p:nvPicPr>
-        <p:blipFill>
+        <p:blipFill rotWithShape="1">
           <a:blip r:embed="rId4"/>
-          <a:stretch>
-            <a:fillRect/>
-          </a:stretch>
+          <a:srcRect b="7447"/>
+          <a:stretch/>
         </p:blipFill>
         <p:spPr>
           <a:xfrm>
-            <a:off x="1237811" y="1527312"/>
-            <a:ext cx="9032279" cy="3899902"/>
+            <a:off x="968971" y="1115335"/>
+            <a:ext cx="8763678" cy="5299980"/>
           </a:xfrm>
           <a:prstGeom prst="rect">
             <a:avLst/>
@@ -9079,7 +9318,7 @@
     </p:spTree>
     <p:extLst>
       <p:ext uri="{BB962C8B-B14F-4D97-AF65-F5344CB8AC3E}">
-        <p14:creationId xmlns:p14="http://schemas.microsoft.com/office/powerpoint/2010/main" val="3078510313"/>
+        <p14:creationId xmlns:p14="http://schemas.microsoft.com/office/powerpoint/2010/main" val="2617598072"/>
       </p:ext>
     </p:extLst>
   </p:cSld>
@@ -9292,7 +9531,7 @@
         </p:spPr>
         <p:txBody>
           <a:bodyPr vert="horz" lIns="91440" tIns="45720" rIns="91440" bIns="45720" rtlCol="0" anchor="ctr">
-            <a:normAutofit/>
+            <a:normAutofit lnSpcReduction="10000"/>
           </a:bodyPr>
           <a:lstStyle>
             <a:lvl1pPr algn="r" defTabSz="914400" rtl="0" eaLnBrk="1" latinLnBrk="0" hangingPunct="1">
@@ -9317,18 +9556,17 @@
             <a:pPr algn="ctr"/>
             <a:r>
               <a:rPr lang="pt-BR" noProof="1"/>
-              <a:t>Protótipo</a:t>
+              <a:t>Mapa de empatia possivel doador</a:t>
             </a:r>
           </a:p>
         </p:txBody>
       </p:sp>
       <p:pic>
         <p:nvPicPr>
-          <p:cNvPr id="6" name="Imagem 5" descr="Tela de celular com publicação numa rede social&#10;&#10;Descrição gerada automaticamente">
-            <a:hlinkClick r:id="rId4"/>
+          <p:cNvPr id="4" name="Imagem 3" descr="Tela de celular com texto preto sobre fundo branco&#10;&#10;Descrição gerada automaticamente">
             <a:extLst>
               <a:ext uri="{FF2B5EF4-FFF2-40B4-BE49-F238E27FC236}">
-                <a16:creationId xmlns:a16="http://schemas.microsoft.com/office/drawing/2014/main" id="{EE8F106D-4ACC-49D0-86DF-F4F7275FD2E9}"/>
+                <a16:creationId xmlns:a16="http://schemas.microsoft.com/office/drawing/2014/main" id="{9DC27A2A-A324-43A0-AA29-CFA73F719F2B}"/>
               </a:ext>
             </a:extLst>
           </p:cNvPr>
@@ -9337,15 +9575,16 @@
           </p:cNvPicPr>
           <p:nvPr/>
         </p:nvPicPr>
-        <p:blipFill rotWithShape="1">
-          <a:blip r:embed="rId5"/>
-          <a:srcRect b="65518"/>
-          <a:stretch/>
+        <p:blipFill>
+          <a:blip r:embed="rId4"/>
+          <a:stretch>
+            <a:fillRect/>
+          </a:stretch>
         </p:blipFill>
         <p:spPr>
           <a:xfrm>
-            <a:off x="3325690" y="1141048"/>
-            <a:ext cx="5123540" cy="5201695"/>
+            <a:off x="1420585" y="1527312"/>
+            <a:ext cx="8288564" cy="4983923"/>
           </a:xfrm>
           <a:prstGeom prst="rect">
             <a:avLst/>
@@ -9355,7 +9594,7 @@
     </p:spTree>
     <p:extLst>
       <p:ext uri="{BB962C8B-B14F-4D97-AF65-F5344CB8AC3E}">
-        <p14:creationId xmlns:p14="http://schemas.microsoft.com/office/powerpoint/2010/main" val="1025555157"/>
+        <p14:creationId xmlns:p14="http://schemas.microsoft.com/office/powerpoint/2010/main" val="1530400092"/>
       </p:ext>
     </p:extLst>
   </p:cSld>
@@ -9389,6 +9628,356 @@
       </p:grpSpPr>
       <p:sp useBgFill="1">
         <p:nvSpPr>
+          <p:cNvPr id="8" name="Retângulo 7">
+            <a:extLst>
+              <a:ext uri="{FF2B5EF4-FFF2-40B4-BE49-F238E27FC236}">
+                <a16:creationId xmlns:a16="http://schemas.microsoft.com/office/drawing/2014/main" id="{A38A195E-584A-485A-BECD-66468900B947}"/>
+              </a:ext>
+              <a:ext uri="{C183D7F6-B498-43B3-948B-1728B52AA6E4}">
+                <adec:decorative xmlns:adec="http://schemas.microsoft.com/office/drawing/2017/decorative" val="1"/>
+              </a:ext>
+            </a:extLst>
+          </p:cNvPr>
+          <p:cNvSpPr>
+            <a:spLocks noGrp="1" noRot="1" noChangeAspect="1" noMove="1" noResize="1" noEditPoints="1" noAdjustHandles="1" noChangeArrowheads="1" noChangeShapeType="1" noTextEdit="1"/>
+          </p:cNvSpPr>
+          <p:nvPr>
+            <p:extLst>
+              <p:ext uri="{386F3935-93C4-4BCD-93E2-E3B085C9AB24}">
+                <p16:designElem xmlns:p16="http://schemas.microsoft.com/office/powerpoint/2015/main" val="1"/>
+              </p:ext>
+            </p:extLst>
+          </p:nvPr>
+        </p:nvSpPr>
+        <p:spPr>
+          <a:xfrm>
+            <a:off x="0" y="0"/>
+            <a:ext cx="12192000" cy="6858000"/>
+          </a:xfrm>
+          <a:prstGeom prst="rect">
+            <a:avLst/>
+          </a:prstGeom>
+          <a:ln>
+            <a:noFill/>
+          </a:ln>
+        </p:spPr>
+        <p:style>
+          <a:lnRef idx="2">
+            <a:schemeClr val="accent1">
+              <a:shade val="50000"/>
+            </a:schemeClr>
+          </a:lnRef>
+          <a:fillRef idx="1">
+            <a:schemeClr val="accent1"/>
+          </a:fillRef>
+          <a:effectRef idx="0">
+            <a:schemeClr val="accent1"/>
+          </a:effectRef>
+          <a:fontRef idx="minor">
+            <a:schemeClr val="lt1"/>
+          </a:fontRef>
+        </p:style>
+        <p:txBody>
+          <a:bodyPr rtlCol="0" anchor="ctr"/>
+          <a:lstStyle/>
+          <a:p>
+            <a:pPr algn="ctr" rtl="0"/>
+            <a:endParaRPr lang="pt-BR" noProof="1"/>
+          </a:p>
+        </p:txBody>
+      </p:sp>
+      <p:sp>
+        <p:nvSpPr>
+          <p:cNvPr id="10" name="Retângulo 9">
+            <a:extLst>
+              <a:ext uri="{FF2B5EF4-FFF2-40B4-BE49-F238E27FC236}">
+                <a16:creationId xmlns:a16="http://schemas.microsoft.com/office/drawing/2014/main" id="{840177A7-740C-43C7-8F2D-BD7067F12C9C}"/>
+              </a:ext>
+              <a:ext uri="{C183D7F6-B498-43B3-948B-1728B52AA6E4}">
+                <adec:decorative xmlns:adec="http://schemas.microsoft.com/office/drawing/2017/decorative" val="1"/>
+              </a:ext>
+            </a:extLst>
+          </p:cNvPr>
+          <p:cNvSpPr>
+            <a:spLocks noGrp="1" noRot="1" noChangeAspect="1" noMove="1" noResize="1" noEditPoints="1" noAdjustHandles="1" noChangeArrowheads="1" noChangeShapeType="1" noTextEdit="1"/>
+          </p:cNvSpPr>
+          <p:nvPr>
+            <p:extLst>
+              <p:ext uri="{386F3935-93C4-4BCD-93E2-E3B085C9AB24}">
+                <p16:designElem xmlns:p16="http://schemas.microsoft.com/office/powerpoint/2015/main" val="1"/>
+              </p:ext>
+            </p:extLst>
+          </p:nvPr>
+        </p:nvSpPr>
+        <p:spPr>
+          <a:xfrm>
+            <a:off x="0" y="0"/>
+            <a:ext cx="3406393" cy="6858000"/>
+          </a:xfrm>
+          <a:prstGeom prst="rect">
+            <a:avLst/>
+          </a:prstGeom>
+          <a:solidFill>
+            <a:schemeClr val="bg1">
+              <a:lumMod val="95000"/>
+              <a:lumOff val="5000"/>
+            </a:schemeClr>
+          </a:solidFill>
+          <a:ln>
+            <a:noFill/>
+          </a:ln>
+          <a:effectLst>
+            <a:outerShdw blurRad="63500" dist="38100" algn="l" rotWithShape="0">
+              <a:prstClr val="black">
+                <a:alpha val="40000"/>
+              </a:prstClr>
+            </a:outerShdw>
+          </a:effectLst>
+        </p:spPr>
+        <p:style>
+          <a:lnRef idx="2">
+            <a:schemeClr val="accent1">
+              <a:shade val="50000"/>
+            </a:schemeClr>
+          </a:lnRef>
+          <a:fillRef idx="1">
+            <a:schemeClr val="accent1"/>
+          </a:fillRef>
+          <a:effectRef idx="0">
+            <a:schemeClr val="accent1"/>
+          </a:effectRef>
+          <a:fontRef idx="minor">
+            <a:schemeClr val="lt1"/>
+          </a:fontRef>
+        </p:style>
+        <p:txBody>
+          <a:bodyPr rtlCol="0" anchor="ctr"/>
+          <a:lstStyle/>
+          <a:p>
+            <a:pPr marL="0" marR="0" lvl="0" indent="0" algn="ctr" defTabSz="457200" rtl="0" eaLnBrk="1" fontAlgn="auto" latinLnBrk="0" hangingPunct="1">
+              <a:lnSpc>
+                <a:spcPct val="100000"/>
+              </a:lnSpc>
+              <a:spcBef>
+                <a:spcPts val="0"/>
+              </a:spcBef>
+              <a:spcAft>
+                <a:spcPts val="0"/>
+              </a:spcAft>
+              <a:buClrTx/>
+              <a:buSzTx/>
+              <a:buFontTx/>
+              <a:buNone/>
+              <a:tabLst/>
+              <a:defRPr/>
+            </a:pPr>
+            <a:endParaRPr kumimoji="0" lang="pt-BR" sz="1800" b="0" i="0" u="none" strike="noStrike" kern="1200" cap="none" spc="0" normalizeH="0" baseline="0" noProof="1">
+              <a:ln>
+                <a:noFill/>
+              </a:ln>
+              <a:solidFill>
+                <a:prstClr val="white"/>
+              </a:solidFill>
+              <a:effectLst/>
+              <a:uLnTx/>
+              <a:uFillTx/>
+              <a:latin typeface="Century Gothic" panose="020B0502020202020204"/>
+              <a:ea typeface="+mn-ea"/>
+              <a:cs typeface="+mn-cs"/>
+            </a:endParaRPr>
+          </a:p>
+        </p:txBody>
+      </p:sp>
+      <p:pic>
+        <p:nvPicPr>
+          <p:cNvPr id="12" name="Imagem 11">
+            <a:extLst>
+              <a:ext uri="{FF2B5EF4-FFF2-40B4-BE49-F238E27FC236}">
+                <a16:creationId xmlns:a16="http://schemas.microsoft.com/office/drawing/2014/main" id="{FF525AAA-82CE-4027-A26C-B0EFFD856F2E}"/>
+              </a:ext>
+              <a:ext uri="{C183D7F6-B498-43B3-948B-1728B52AA6E4}">
+                <adec:decorative xmlns:adec="http://schemas.microsoft.com/office/drawing/2017/decorative" val="1"/>
+              </a:ext>
+            </a:extLst>
+          </p:cNvPr>
+          <p:cNvPicPr>
+            <a:picLocks noGrp="1" noRot="1" noChangeAspect="1" noMove="1" noResize="1" noEditPoints="1" noAdjustHandles="1" noChangeArrowheads="1" noChangeShapeType="1" noCrop="1"/>
+          </p:cNvPicPr>
+          <p:nvPr>
+            <p:extLst>
+              <p:ext uri="{386F3935-93C4-4BCD-93E2-E3B085C9AB24}">
+                <p16:designElem xmlns:p16="http://schemas.microsoft.com/office/powerpoint/2015/main" val="1"/>
+              </p:ext>
+            </p:extLst>
+          </p:nvPr>
+        </p:nvPicPr>
+        <p:blipFill rotWithShape="1">
+          <a:blip r:embed="rId3">
+            <a:extLst>
+              <a:ext uri="{28A0092B-C50C-407E-A947-70E740481C1C}">
+                <a14:useLocalDpi xmlns:a14="http://schemas.microsoft.com/office/drawing/2010/main" val="0"/>
+              </a:ext>
+            </a:extLst>
+          </a:blip>
+          <a:srcRect t="-534"/>
+          <a:stretch/>
+        </p:blipFill>
+        <p:spPr>
+          <a:xfrm rot="5400000" flipH="1" flipV="1">
+            <a:off x="-1265719" y="2187575"/>
+            <a:ext cx="6857999" cy="2482850"/>
+          </a:xfrm>
+          <a:prstGeom prst="rect">
+            <a:avLst/>
+          </a:prstGeom>
+        </p:spPr>
+      </p:pic>
+      <p:sp>
+        <p:nvSpPr>
+          <p:cNvPr id="2" name="Título 1">
+            <a:extLst>
+              <a:ext uri="{FF2B5EF4-FFF2-40B4-BE49-F238E27FC236}">
+                <a16:creationId xmlns:a16="http://schemas.microsoft.com/office/drawing/2014/main" id="{A389EA88-8D83-4F3F-A4C1-4B16E2377F9E}"/>
+              </a:ext>
+            </a:extLst>
+          </p:cNvPr>
+          <p:cNvSpPr>
+            <a:spLocks noGrp="1"/>
+          </p:cNvSpPr>
+          <p:nvPr>
+            <p:ph type="title"/>
+          </p:nvPr>
+        </p:nvSpPr>
+        <p:spPr>
+          <a:xfrm>
+            <a:off x="4090507" y="764373"/>
+            <a:ext cx="7434070" cy="1474330"/>
+          </a:xfrm>
+        </p:spPr>
+        <p:txBody>
+          <a:bodyPr rtlCol="0">
+            <a:normAutofit/>
+          </a:bodyPr>
+          <a:lstStyle/>
+          <a:p>
+            <a:pPr algn="ctr"/>
+            <a:r>
+              <a:rPr lang="pt-BR" noProof="1"/>
+              <a:t>Estrutura do projeto</a:t>
+            </a:r>
+          </a:p>
+        </p:txBody>
+      </p:sp>
+      <p:sp>
+        <p:nvSpPr>
+          <p:cNvPr id="3" name="Espaço Reservado para Conteúdo 2">
+            <a:extLst>
+              <a:ext uri="{FF2B5EF4-FFF2-40B4-BE49-F238E27FC236}">
+                <a16:creationId xmlns:a16="http://schemas.microsoft.com/office/drawing/2014/main" id="{9F541FAF-730D-47FE-9638-C05616C31320}"/>
+              </a:ext>
+            </a:extLst>
+          </p:cNvPr>
+          <p:cNvSpPr>
+            <a:spLocks noGrp="1"/>
+          </p:cNvSpPr>
+          <p:nvPr>
+            <p:ph idx="1"/>
+          </p:nvPr>
+        </p:nvSpPr>
+        <p:spPr>
+          <a:xfrm>
+            <a:off x="4090507" y="2628900"/>
+            <a:ext cx="7454077" cy="3589785"/>
+          </a:xfrm>
+        </p:spPr>
+        <p:txBody>
+          <a:bodyPr rtlCol="0">
+            <a:normAutofit/>
+          </a:bodyPr>
+          <a:lstStyle/>
+          <a:p>
+            <a:pPr>
+              <a:lnSpc>
+                <a:spcPct val="100000"/>
+              </a:lnSpc>
+            </a:pPr>
+            <a:r>
+              <a:rPr lang="pt-BR" sz="2000" noProof="1"/>
+              <a:t>Protótipo.</a:t>
+            </a:r>
+          </a:p>
+          <a:p>
+            <a:pPr>
+              <a:lnSpc>
+                <a:spcPct val="100000"/>
+              </a:lnSpc>
+            </a:pPr>
+            <a:r>
+              <a:rPr lang="pt-BR" sz="2000" noProof="1"/>
+              <a:t>Diagrama de Classe Projeto.</a:t>
+            </a:r>
+          </a:p>
+          <a:p>
+            <a:pPr rtl="0">
+              <a:lnSpc>
+                <a:spcPct val="100000"/>
+              </a:lnSpc>
+            </a:pPr>
+            <a:r>
+              <a:rPr lang="pt-BR" sz="2000" noProof="1"/>
+              <a:t>Protótipo SpringBoot.</a:t>
+            </a:r>
+          </a:p>
+          <a:p>
+            <a:pPr rtl="0">
+              <a:lnSpc>
+                <a:spcPct val="100000"/>
+              </a:lnSpc>
+            </a:pPr>
+            <a:r>
+              <a:rPr lang="pt-BR" sz="2000" noProof="1"/>
+              <a:t>Serviço de Login. </a:t>
+            </a:r>
+          </a:p>
+        </p:txBody>
+      </p:sp>
+    </p:spTree>
+    <p:extLst>
+      <p:ext uri="{BB962C8B-B14F-4D97-AF65-F5344CB8AC3E}">
+        <p14:creationId xmlns:p14="http://schemas.microsoft.com/office/powerpoint/2010/main" val="2765996365"/>
+      </p:ext>
+    </p:extLst>
+  </p:cSld>
+  <p:clrMapOvr>
+    <a:overrideClrMapping bg1="lt1" tx1="dk1" bg2="lt2" tx2="dk2" accent1="accent1" accent2="accent2" accent3="accent3" accent4="accent4" accent5="accent5" accent6="accent6" hlink="hlink" folHlink="folHlink"/>
+  </p:clrMapOvr>
+</p:sld>
+</file>
+
+<file path=ppt/slides/slide16.xml><?xml version="1.0" encoding="utf-8"?>
+<p:sld xmlns:a="http://schemas.openxmlformats.org/drawingml/2006/main" xmlns:r="http://schemas.openxmlformats.org/officeDocument/2006/relationships" xmlns:p="http://schemas.openxmlformats.org/presentationml/2006/main">
+  <p:cSld>
+    <p:bg>
+      <p:bgRef idx="1003">
+        <a:schemeClr val="bg1"/>
+      </p:bgRef>
+    </p:bg>
+    <p:spTree>
+      <p:nvGrpSpPr>
+        <p:cNvPr id="1" name=""/>
+        <p:cNvGrpSpPr/>
+        <p:nvPr/>
+      </p:nvGrpSpPr>
+      <p:grpSpPr>
+        <a:xfrm>
+          <a:off x="0" y="0"/>
+          <a:ext cx="0" cy="0"/>
+          <a:chOff x="0" y="0"/>
+          <a:chExt cx="0" cy="0"/>
+        </a:xfrm>
+      </p:grpSpPr>
+      <p:sp useBgFill="1">
+        <p:nvSpPr>
           <p:cNvPr id="17" name="Retângulo 16">
             <a:extLst>
               <a:ext uri="{FF2B5EF4-FFF2-40B4-BE49-F238E27FC236}">
@@ -9559,6 +10148,558 @@
         </p:nvSpPr>
         <p:spPr>
           <a:xfrm>
+            <a:off x="3349190" y="218907"/>
+            <a:ext cx="5493618" cy="1089498"/>
+          </a:xfrm>
+          <a:prstGeom prst="rect">
+            <a:avLst/>
+          </a:prstGeom>
+        </p:spPr>
+        <p:txBody>
+          <a:bodyPr vert="horz" lIns="91440" tIns="45720" rIns="91440" bIns="45720" rtlCol="0" anchor="ctr">
+            <a:normAutofit lnSpcReduction="10000"/>
+          </a:bodyPr>
+          <a:lstStyle>
+            <a:lvl1pPr algn="r" defTabSz="914400" rtl="0" eaLnBrk="1" latinLnBrk="0" hangingPunct="1">
+              <a:lnSpc>
+                <a:spcPct val="90000"/>
+              </a:lnSpc>
+              <a:spcBef>
+                <a:spcPct val="0"/>
+              </a:spcBef>
+              <a:buNone/>
+              <a:defRPr sz="4000" kern="1200" cap="all" baseline="0">
+                <a:solidFill>
+                  <a:schemeClr val="tx1"/>
+                </a:solidFill>
+                <a:latin typeface="+mj-lt"/>
+                <a:ea typeface="+mj-ea"/>
+                <a:cs typeface="+mj-cs"/>
+              </a:defRPr>
+            </a:lvl1pPr>
+          </a:lstStyle>
+          <a:p>
+            <a:pPr algn="ctr"/>
+            <a:r>
+              <a:rPr lang="pt-BR" noProof="1"/>
+              <a:t>Diagrama de classe</a:t>
+            </a:r>
+          </a:p>
+        </p:txBody>
+      </p:sp>
+      <p:pic>
+        <p:nvPicPr>
+          <p:cNvPr id="3" name="Imagem 2" descr="Tela de computador com fundo branco&#10;&#10;Descrição gerada automaticamente">
+            <a:extLst>
+              <a:ext uri="{FF2B5EF4-FFF2-40B4-BE49-F238E27FC236}">
+                <a16:creationId xmlns:a16="http://schemas.microsoft.com/office/drawing/2014/main" id="{734A8D51-F6C3-47E6-9E6A-AAFB201B601C}"/>
+              </a:ext>
+            </a:extLst>
+          </p:cNvPr>
+          <p:cNvPicPr>
+            <a:picLocks noChangeAspect="1"/>
+          </p:cNvPicPr>
+          <p:nvPr/>
+        </p:nvPicPr>
+        <p:blipFill>
+          <a:blip r:embed="rId4"/>
+          <a:stretch>
+            <a:fillRect/>
+          </a:stretch>
+        </p:blipFill>
+        <p:spPr>
+          <a:xfrm>
+            <a:off x="1237811" y="1527312"/>
+            <a:ext cx="9032279" cy="3899902"/>
+          </a:xfrm>
+          <a:prstGeom prst="rect">
+            <a:avLst/>
+          </a:prstGeom>
+        </p:spPr>
+      </p:pic>
+    </p:spTree>
+    <p:extLst>
+      <p:ext uri="{BB962C8B-B14F-4D97-AF65-F5344CB8AC3E}">
+        <p14:creationId xmlns:p14="http://schemas.microsoft.com/office/powerpoint/2010/main" val="3078510313"/>
+      </p:ext>
+    </p:extLst>
+  </p:cSld>
+  <p:clrMapOvr>
+    <a:overrideClrMapping bg1="lt1" tx1="dk1" bg2="lt2" tx2="dk2" accent1="accent1" accent2="accent2" accent3="accent3" accent4="accent4" accent5="accent5" accent6="accent6" hlink="hlink" folHlink="folHlink"/>
+  </p:clrMapOvr>
+</p:sld>
+</file>
+
+<file path=ppt/slides/slide17.xml><?xml version="1.0" encoding="utf-8"?>
+<p:sld xmlns:a="http://schemas.openxmlformats.org/drawingml/2006/main" xmlns:r="http://schemas.openxmlformats.org/officeDocument/2006/relationships" xmlns:p="http://schemas.openxmlformats.org/presentationml/2006/main">
+  <p:cSld>
+    <p:bg>
+      <p:bgRef idx="1003">
+        <a:schemeClr val="bg1"/>
+      </p:bgRef>
+    </p:bg>
+    <p:spTree>
+      <p:nvGrpSpPr>
+        <p:cNvPr id="1" name=""/>
+        <p:cNvGrpSpPr/>
+        <p:nvPr/>
+      </p:nvGrpSpPr>
+      <p:grpSpPr>
+        <a:xfrm>
+          <a:off x="0" y="0"/>
+          <a:ext cx="0" cy="0"/>
+          <a:chOff x="0" y="0"/>
+          <a:chExt cx="0" cy="0"/>
+        </a:xfrm>
+      </p:grpSpPr>
+      <p:sp useBgFill="1">
+        <p:nvSpPr>
+          <p:cNvPr id="17" name="Retângulo 16">
+            <a:extLst>
+              <a:ext uri="{FF2B5EF4-FFF2-40B4-BE49-F238E27FC236}">
+                <a16:creationId xmlns:a16="http://schemas.microsoft.com/office/drawing/2014/main" id="{50496C6C-A85F-426B-9ED1-3444166CE4E1}"/>
+              </a:ext>
+              <a:ext uri="{C183D7F6-B498-43B3-948B-1728B52AA6E4}">
+                <adec:decorative xmlns:adec="http://schemas.microsoft.com/office/drawing/2017/decorative" val="1"/>
+              </a:ext>
+            </a:extLst>
+          </p:cNvPr>
+          <p:cNvSpPr>
+            <a:spLocks noGrp="1" noRot="1" noChangeAspect="1" noMove="1" noResize="1" noEditPoints="1" noAdjustHandles="1" noChangeArrowheads="1" noChangeShapeType="1" noTextEdit="1"/>
+          </p:cNvSpPr>
+          <p:nvPr>
+            <p:extLst>
+              <p:ext uri="{386F3935-93C4-4BCD-93E2-E3B085C9AB24}">
+                <p16:designElem xmlns:p16="http://schemas.microsoft.com/office/powerpoint/2015/main" val="1"/>
+              </p:ext>
+            </p:extLst>
+          </p:nvPr>
+        </p:nvSpPr>
+        <p:spPr>
+          <a:xfrm>
+            <a:off x="0" y="0"/>
+            <a:ext cx="12192000" cy="6858002"/>
+          </a:xfrm>
+          <a:prstGeom prst="rect">
+            <a:avLst/>
+          </a:prstGeom>
+          <a:ln>
+            <a:noFill/>
+          </a:ln>
+        </p:spPr>
+        <p:style>
+          <a:lnRef idx="2">
+            <a:schemeClr val="accent1">
+              <a:shade val="50000"/>
+            </a:schemeClr>
+          </a:lnRef>
+          <a:fillRef idx="1">
+            <a:schemeClr val="accent1"/>
+          </a:fillRef>
+          <a:effectRef idx="0">
+            <a:schemeClr val="accent1"/>
+          </a:effectRef>
+          <a:fontRef idx="minor">
+            <a:schemeClr val="lt1"/>
+          </a:fontRef>
+        </p:style>
+        <p:txBody>
+          <a:bodyPr rtlCol="0" anchor="ctr"/>
+          <a:lstStyle/>
+          <a:p>
+            <a:pPr algn="ctr" rtl="0"/>
+            <a:endParaRPr lang="pt-BR" noProof="1"/>
+          </a:p>
+        </p:txBody>
+      </p:sp>
+      <p:cxnSp>
+        <p:nvCxnSpPr>
+          <p:cNvPr id="19" name="Conector Reto 18">
+            <a:extLst>
+              <a:ext uri="{FF2B5EF4-FFF2-40B4-BE49-F238E27FC236}">
+                <a16:creationId xmlns:a16="http://schemas.microsoft.com/office/drawing/2014/main" id="{AD0EF22F-5D3C-4240-8C32-1B20803E5A89}"/>
+              </a:ext>
+              <a:ext uri="{C183D7F6-B498-43B3-948B-1728B52AA6E4}">
+                <adec:decorative xmlns:adec="http://schemas.microsoft.com/office/drawing/2017/decorative" val="1"/>
+              </a:ext>
+            </a:extLst>
+          </p:cNvPr>
+          <p:cNvCxnSpPr>
+            <a:cxnSpLocks noGrp="1" noRot="1" noChangeAspect="1" noMove="1" noResize="1" noEditPoints="1" noAdjustHandles="1" noChangeArrowheads="1" noChangeShapeType="1"/>
+          </p:cNvCxnSpPr>
+          <p:nvPr>
+            <p:extLst>
+              <p:ext uri="{386F3935-93C4-4BCD-93E2-E3B085C9AB24}">
+                <p16:designElem xmlns:p16="http://schemas.microsoft.com/office/powerpoint/2015/main" val="1"/>
+              </p:ext>
+            </p:extLst>
+          </p:nvPr>
+        </p:nvCxnSpPr>
+        <p:spPr>
+          <a:xfrm>
+            <a:off x="7397108" y="1923563"/>
+            <a:ext cx="0" cy="3017520"/>
+          </a:xfrm>
+          <a:prstGeom prst="line">
+            <a:avLst/>
+          </a:prstGeom>
+          <a:ln w="15875">
+            <a:solidFill>
+              <a:schemeClr val="tx1"/>
+            </a:solidFill>
+          </a:ln>
+        </p:spPr>
+        <p:style>
+          <a:lnRef idx="1">
+            <a:schemeClr val="accent1"/>
+          </a:lnRef>
+          <a:fillRef idx="0">
+            <a:schemeClr val="accent1"/>
+          </a:fillRef>
+          <a:effectRef idx="0">
+            <a:schemeClr val="accent1"/>
+          </a:effectRef>
+          <a:fontRef idx="minor">
+            <a:schemeClr val="tx1"/>
+          </a:fontRef>
+        </p:style>
+      </p:cxnSp>
+      <p:pic>
+        <p:nvPicPr>
+          <p:cNvPr id="21" name="Imagem 20">
+            <a:extLst>
+              <a:ext uri="{FF2B5EF4-FFF2-40B4-BE49-F238E27FC236}">
+                <a16:creationId xmlns:a16="http://schemas.microsoft.com/office/drawing/2014/main" id="{D912EF34-0253-41FD-9940-D8FBB7DE74B1}"/>
+              </a:ext>
+              <a:ext uri="{C183D7F6-B498-43B3-948B-1728B52AA6E4}">
+                <adec:decorative xmlns:adec="http://schemas.microsoft.com/office/drawing/2017/decorative" val="1"/>
+              </a:ext>
+            </a:extLst>
+          </p:cNvPr>
+          <p:cNvPicPr>
+            <a:picLocks noGrp="1" noRot="1" noChangeAspect="1" noMove="1" noResize="1" noEditPoints="1" noAdjustHandles="1" noChangeArrowheads="1" noChangeShapeType="1" noCrop="1"/>
+          </p:cNvPicPr>
+          <p:nvPr>
+            <p:extLst>
+              <p:ext uri="{386F3935-93C4-4BCD-93E2-E3B085C9AB24}">
+                <p16:designElem xmlns:p16="http://schemas.microsoft.com/office/powerpoint/2015/main" val="1"/>
+              </p:ext>
+            </p:extLst>
+          </p:nvPr>
+        </p:nvPicPr>
+        <p:blipFill rotWithShape="1">
+          <a:blip r:embed="rId3">
+            <a:extLst>
+              <a:ext uri="{28A0092B-C50C-407E-A947-70E740481C1C}">
+                <a14:useLocalDpi xmlns:a14="http://schemas.microsoft.com/office/drawing/2010/main" val="0"/>
+              </a:ext>
+            </a:extLst>
+          </a:blip>
+          <a:srcRect t="-534"/>
+          <a:stretch/>
+        </p:blipFill>
+        <p:spPr>
+          <a:xfrm rot="5400000" flipH="1" flipV="1">
+            <a:off x="7545075" y="2187578"/>
+            <a:ext cx="6857999" cy="2482850"/>
+          </a:xfrm>
+          <a:prstGeom prst="rect">
+            <a:avLst/>
+          </a:prstGeom>
+        </p:spPr>
+      </p:pic>
+      <p:sp>
+        <p:nvSpPr>
+          <p:cNvPr id="18" name="Título 1">
+            <a:extLst>
+              <a:ext uri="{FF2B5EF4-FFF2-40B4-BE49-F238E27FC236}">
+                <a16:creationId xmlns:a16="http://schemas.microsoft.com/office/drawing/2014/main" id="{66FA61CC-FCD0-4C1B-8D47-4BF1D1ECA5C2}"/>
+              </a:ext>
+            </a:extLst>
+          </p:cNvPr>
+          <p:cNvSpPr txBox="1">
+            <a:spLocks/>
+          </p:cNvSpPr>
+          <p:nvPr/>
+        </p:nvSpPr>
+        <p:spPr>
+          <a:xfrm>
+            <a:off x="3349190" y="218907"/>
+            <a:ext cx="5493618" cy="1089498"/>
+          </a:xfrm>
+          <a:prstGeom prst="rect">
+            <a:avLst/>
+          </a:prstGeom>
+        </p:spPr>
+        <p:txBody>
+          <a:bodyPr vert="horz" lIns="91440" tIns="45720" rIns="91440" bIns="45720" rtlCol="0" anchor="ctr">
+            <a:normAutofit/>
+          </a:bodyPr>
+          <a:lstStyle>
+            <a:lvl1pPr algn="r" defTabSz="914400" rtl="0" eaLnBrk="1" latinLnBrk="0" hangingPunct="1">
+              <a:lnSpc>
+                <a:spcPct val="90000"/>
+              </a:lnSpc>
+              <a:spcBef>
+                <a:spcPct val="0"/>
+              </a:spcBef>
+              <a:buNone/>
+              <a:defRPr sz="4000" kern="1200" cap="all" baseline="0">
+                <a:solidFill>
+                  <a:schemeClr val="tx1"/>
+                </a:solidFill>
+                <a:latin typeface="+mj-lt"/>
+                <a:ea typeface="+mj-ea"/>
+                <a:cs typeface="+mj-cs"/>
+              </a:defRPr>
+            </a:lvl1pPr>
+          </a:lstStyle>
+          <a:p>
+            <a:pPr algn="ctr"/>
+            <a:r>
+              <a:rPr lang="pt-BR" noProof="1"/>
+              <a:t>Protótipo</a:t>
+            </a:r>
+          </a:p>
+        </p:txBody>
+      </p:sp>
+      <p:pic>
+        <p:nvPicPr>
+          <p:cNvPr id="6" name="Imagem 5" descr="Tela de celular com publicação numa rede social&#10;&#10;Descrição gerada automaticamente">
+            <a:hlinkClick r:id="rId4"/>
+            <a:extLst>
+              <a:ext uri="{FF2B5EF4-FFF2-40B4-BE49-F238E27FC236}">
+                <a16:creationId xmlns:a16="http://schemas.microsoft.com/office/drawing/2014/main" id="{EE8F106D-4ACC-49D0-86DF-F4F7275FD2E9}"/>
+              </a:ext>
+            </a:extLst>
+          </p:cNvPr>
+          <p:cNvPicPr>
+            <a:picLocks noChangeAspect="1"/>
+          </p:cNvPicPr>
+          <p:nvPr/>
+        </p:nvPicPr>
+        <p:blipFill rotWithShape="1">
+          <a:blip r:embed="rId5"/>
+          <a:srcRect b="65518"/>
+          <a:stretch/>
+        </p:blipFill>
+        <p:spPr>
+          <a:xfrm>
+            <a:off x="3325690" y="1141048"/>
+            <a:ext cx="5123540" cy="5201695"/>
+          </a:xfrm>
+          <a:prstGeom prst="rect">
+            <a:avLst/>
+          </a:prstGeom>
+        </p:spPr>
+      </p:pic>
+    </p:spTree>
+    <p:extLst>
+      <p:ext uri="{BB962C8B-B14F-4D97-AF65-F5344CB8AC3E}">
+        <p14:creationId xmlns:p14="http://schemas.microsoft.com/office/powerpoint/2010/main" val="1025555157"/>
+      </p:ext>
+    </p:extLst>
+  </p:cSld>
+  <p:clrMapOvr>
+    <a:overrideClrMapping bg1="lt1" tx1="dk1" bg2="lt2" tx2="dk2" accent1="accent1" accent2="accent2" accent3="accent3" accent4="accent4" accent5="accent5" accent6="accent6" hlink="hlink" folHlink="folHlink"/>
+  </p:clrMapOvr>
+</p:sld>
+</file>
+
+<file path=ppt/slides/slide18.xml><?xml version="1.0" encoding="utf-8"?>
+<p:sld xmlns:a="http://schemas.openxmlformats.org/drawingml/2006/main" xmlns:r="http://schemas.openxmlformats.org/officeDocument/2006/relationships" xmlns:p="http://schemas.openxmlformats.org/presentationml/2006/main">
+  <p:cSld>
+    <p:bg>
+      <p:bgRef idx="1003">
+        <a:schemeClr val="bg1"/>
+      </p:bgRef>
+    </p:bg>
+    <p:spTree>
+      <p:nvGrpSpPr>
+        <p:cNvPr id="1" name=""/>
+        <p:cNvGrpSpPr/>
+        <p:nvPr/>
+      </p:nvGrpSpPr>
+      <p:grpSpPr>
+        <a:xfrm>
+          <a:off x="0" y="0"/>
+          <a:ext cx="0" cy="0"/>
+          <a:chOff x="0" y="0"/>
+          <a:chExt cx="0" cy="0"/>
+        </a:xfrm>
+      </p:grpSpPr>
+      <p:sp useBgFill="1">
+        <p:nvSpPr>
+          <p:cNvPr id="17" name="Retângulo 16">
+            <a:extLst>
+              <a:ext uri="{FF2B5EF4-FFF2-40B4-BE49-F238E27FC236}">
+                <a16:creationId xmlns:a16="http://schemas.microsoft.com/office/drawing/2014/main" id="{50496C6C-A85F-426B-9ED1-3444166CE4E1}"/>
+              </a:ext>
+              <a:ext uri="{C183D7F6-B498-43B3-948B-1728B52AA6E4}">
+                <adec:decorative xmlns:adec="http://schemas.microsoft.com/office/drawing/2017/decorative" val="1"/>
+              </a:ext>
+            </a:extLst>
+          </p:cNvPr>
+          <p:cNvSpPr>
+            <a:spLocks noGrp="1" noRot="1" noChangeAspect="1" noMove="1" noResize="1" noEditPoints="1" noAdjustHandles="1" noChangeArrowheads="1" noChangeShapeType="1" noTextEdit="1"/>
+          </p:cNvSpPr>
+          <p:nvPr>
+            <p:extLst>
+              <p:ext uri="{386F3935-93C4-4BCD-93E2-E3B085C9AB24}">
+                <p16:designElem xmlns:p16="http://schemas.microsoft.com/office/powerpoint/2015/main" val="1"/>
+              </p:ext>
+            </p:extLst>
+          </p:nvPr>
+        </p:nvSpPr>
+        <p:spPr>
+          <a:xfrm>
+            <a:off x="0" y="0"/>
+            <a:ext cx="12192000" cy="6858002"/>
+          </a:xfrm>
+          <a:prstGeom prst="rect">
+            <a:avLst/>
+          </a:prstGeom>
+          <a:ln>
+            <a:noFill/>
+          </a:ln>
+        </p:spPr>
+        <p:style>
+          <a:lnRef idx="2">
+            <a:schemeClr val="accent1">
+              <a:shade val="50000"/>
+            </a:schemeClr>
+          </a:lnRef>
+          <a:fillRef idx="1">
+            <a:schemeClr val="accent1"/>
+          </a:fillRef>
+          <a:effectRef idx="0">
+            <a:schemeClr val="accent1"/>
+          </a:effectRef>
+          <a:fontRef idx="minor">
+            <a:schemeClr val="lt1"/>
+          </a:fontRef>
+        </p:style>
+        <p:txBody>
+          <a:bodyPr rtlCol="0" anchor="ctr"/>
+          <a:lstStyle/>
+          <a:p>
+            <a:pPr algn="ctr" rtl="0"/>
+            <a:endParaRPr lang="pt-BR" noProof="1"/>
+          </a:p>
+        </p:txBody>
+      </p:sp>
+      <p:cxnSp>
+        <p:nvCxnSpPr>
+          <p:cNvPr id="19" name="Conector Reto 18">
+            <a:extLst>
+              <a:ext uri="{FF2B5EF4-FFF2-40B4-BE49-F238E27FC236}">
+                <a16:creationId xmlns:a16="http://schemas.microsoft.com/office/drawing/2014/main" id="{AD0EF22F-5D3C-4240-8C32-1B20803E5A89}"/>
+              </a:ext>
+              <a:ext uri="{C183D7F6-B498-43B3-948B-1728B52AA6E4}">
+                <adec:decorative xmlns:adec="http://schemas.microsoft.com/office/drawing/2017/decorative" val="1"/>
+              </a:ext>
+            </a:extLst>
+          </p:cNvPr>
+          <p:cNvCxnSpPr>
+            <a:cxnSpLocks noGrp="1" noRot="1" noChangeAspect="1" noMove="1" noResize="1" noEditPoints="1" noAdjustHandles="1" noChangeArrowheads="1" noChangeShapeType="1"/>
+          </p:cNvCxnSpPr>
+          <p:nvPr>
+            <p:extLst>
+              <p:ext uri="{386F3935-93C4-4BCD-93E2-E3B085C9AB24}">
+                <p16:designElem xmlns:p16="http://schemas.microsoft.com/office/powerpoint/2015/main" val="1"/>
+              </p:ext>
+            </p:extLst>
+          </p:nvPr>
+        </p:nvCxnSpPr>
+        <p:spPr>
+          <a:xfrm>
+            <a:off x="7397108" y="1923563"/>
+            <a:ext cx="0" cy="3017520"/>
+          </a:xfrm>
+          <a:prstGeom prst="line">
+            <a:avLst/>
+          </a:prstGeom>
+          <a:ln w="15875">
+            <a:solidFill>
+              <a:schemeClr val="tx1"/>
+            </a:solidFill>
+          </a:ln>
+        </p:spPr>
+        <p:style>
+          <a:lnRef idx="1">
+            <a:schemeClr val="accent1"/>
+          </a:lnRef>
+          <a:fillRef idx="0">
+            <a:schemeClr val="accent1"/>
+          </a:fillRef>
+          <a:effectRef idx="0">
+            <a:schemeClr val="accent1"/>
+          </a:effectRef>
+          <a:fontRef idx="minor">
+            <a:schemeClr val="tx1"/>
+          </a:fontRef>
+        </p:style>
+      </p:cxnSp>
+      <p:pic>
+        <p:nvPicPr>
+          <p:cNvPr id="21" name="Imagem 20">
+            <a:extLst>
+              <a:ext uri="{FF2B5EF4-FFF2-40B4-BE49-F238E27FC236}">
+                <a16:creationId xmlns:a16="http://schemas.microsoft.com/office/drawing/2014/main" id="{D912EF34-0253-41FD-9940-D8FBB7DE74B1}"/>
+              </a:ext>
+              <a:ext uri="{C183D7F6-B498-43B3-948B-1728B52AA6E4}">
+                <adec:decorative xmlns:adec="http://schemas.microsoft.com/office/drawing/2017/decorative" val="1"/>
+              </a:ext>
+            </a:extLst>
+          </p:cNvPr>
+          <p:cNvPicPr>
+            <a:picLocks noGrp="1" noRot="1" noChangeAspect="1" noMove="1" noResize="1" noEditPoints="1" noAdjustHandles="1" noChangeArrowheads="1" noChangeShapeType="1" noCrop="1"/>
+          </p:cNvPicPr>
+          <p:nvPr>
+            <p:extLst>
+              <p:ext uri="{386F3935-93C4-4BCD-93E2-E3B085C9AB24}">
+                <p16:designElem xmlns:p16="http://schemas.microsoft.com/office/powerpoint/2015/main" val="1"/>
+              </p:ext>
+            </p:extLst>
+          </p:nvPr>
+        </p:nvPicPr>
+        <p:blipFill rotWithShape="1">
+          <a:blip r:embed="rId3">
+            <a:extLst>
+              <a:ext uri="{28A0092B-C50C-407E-A947-70E740481C1C}">
+                <a14:useLocalDpi xmlns:a14="http://schemas.microsoft.com/office/drawing/2010/main" val="0"/>
+              </a:ext>
+            </a:extLst>
+          </a:blip>
+          <a:srcRect t="-534"/>
+          <a:stretch/>
+        </p:blipFill>
+        <p:spPr>
+          <a:xfrm rot="5400000" flipH="1" flipV="1">
+            <a:off x="7545075" y="2187578"/>
+            <a:ext cx="6857999" cy="2482850"/>
+          </a:xfrm>
+          <a:prstGeom prst="rect">
+            <a:avLst/>
+          </a:prstGeom>
+        </p:spPr>
+      </p:pic>
+      <p:sp>
+        <p:nvSpPr>
+          <p:cNvPr id="18" name="Título 1">
+            <a:extLst>
+              <a:ext uri="{FF2B5EF4-FFF2-40B4-BE49-F238E27FC236}">
+                <a16:creationId xmlns:a16="http://schemas.microsoft.com/office/drawing/2014/main" id="{66FA61CC-FCD0-4C1B-8D47-4BF1D1ECA5C2}"/>
+              </a:ext>
+            </a:extLst>
+          </p:cNvPr>
+          <p:cNvSpPr txBox="1">
+            <a:spLocks/>
+          </p:cNvSpPr>
+          <p:nvPr/>
+        </p:nvSpPr>
+        <p:spPr>
+          <a:xfrm>
             <a:off x="2048084" y="2782651"/>
             <a:ext cx="5493618" cy="1089498"/>
           </a:xfrm>
@@ -9611,7 +10752,7 @@
 </p:sld>
 </file>
 
-<file path=ppt/slides/slide16.xml><?xml version="1.0" encoding="utf-8"?>
+<file path=ppt/slides/slide19.xml><?xml version="1.0" encoding="utf-8"?>
 <p:sld xmlns:a="http://schemas.openxmlformats.org/drawingml/2006/main" xmlns:r="http://schemas.openxmlformats.org/officeDocument/2006/relationships" xmlns:p="http://schemas.openxmlformats.org/presentationml/2006/main">
   <p:cSld>
     <p:bg>
@@ -10163,6 +11304,17 @@
             </a:pPr>
             <a:r>
               <a:rPr lang="pt-BR" sz="2000" noProof="1"/>
+              <a:t>StoryBoard</a:t>
+            </a:r>
+          </a:p>
+          <a:p>
+            <a:pPr rtl="0">
+              <a:lnSpc>
+                <a:spcPct val="100000"/>
+              </a:lnSpc>
+            </a:pPr>
+            <a:r>
+              <a:rPr lang="pt-BR" sz="2000" noProof="1"/>
               <a:t>Justificativa do Projeto.</a:t>
             </a:r>
           </a:p>
@@ -10411,12 +11563,67 @@
           </a:prstGeom>
         </p:spPr>
       </p:pic>
+      <p:sp>
+        <p:nvSpPr>
+          <p:cNvPr id="18" name="Título 1">
+            <a:extLst>
+              <a:ext uri="{FF2B5EF4-FFF2-40B4-BE49-F238E27FC236}">
+                <a16:creationId xmlns:a16="http://schemas.microsoft.com/office/drawing/2014/main" id="{66FA61CC-FCD0-4C1B-8D47-4BF1D1ECA5C2}"/>
+              </a:ext>
+            </a:extLst>
+          </p:cNvPr>
+          <p:cNvSpPr txBox="1">
+            <a:spLocks/>
+          </p:cNvSpPr>
+          <p:nvPr/>
+        </p:nvSpPr>
+        <p:spPr>
+          <a:xfrm>
+            <a:off x="3071261" y="248456"/>
+            <a:ext cx="5493618" cy="1089498"/>
+          </a:xfrm>
+          <a:prstGeom prst="rect">
+            <a:avLst/>
+          </a:prstGeom>
+        </p:spPr>
+        <p:txBody>
+          <a:bodyPr vert="horz" lIns="91440" tIns="45720" rIns="91440" bIns="45720" rtlCol="0" anchor="ctr">
+            <a:normAutofit/>
+          </a:bodyPr>
+          <a:lstStyle>
+            <a:lvl1pPr algn="r" defTabSz="914400" rtl="0" eaLnBrk="1" latinLnBrk="0" hangingPunct="1">
+              <a:lnSpc>
+                <a:spcPct val="90000"/>
+              </a:lnSpc>
+              <a:spcBef>
+                <a:spcPct val="0"/>
+              </a:spcBef>
+              <a:buNone/>
+              <a:defRPr sz="4000" kern="1200" cap="all" baseline="0">
+                <a:solidFill>
+                  <a:schemeClr val="tx1"/>
+                </a:solidFill>
+                <a:latin typeface="+mj-lt"/>
+                <a:ea typeface="+mj-ea"/>
+                <a:cs typeface="+mj-cs"/>
+              </a:defRPr>
+            </a:lvl1pPr>
+          </a:lstStyle>
+          <a:p>
+            <a:pPr algn="ctr"/>
+            <a:r>
+              <a:rPr lang="pt-BR" noProof="1"/>
+              <a:t>Storyboard</a:t>
+            </a:r>
+          </a:p>
+        </p:txBody>
+      </p:sp>
       <p:pic>
         <p:nvPicPr>
-          <p:cNvPr id="9" name="Imagem 8" descr="Tela de celular com publicação numa rede social&#10;&#10;Descrição gerada automaticamente">
+          <p:cNvPr id="5" name="Imagem 4">
             <a:extLst>
               <a:ext uri="{FF2B5EF4-FFF2-40B4-BE49-F238E27FC236}">
-                <a16:creationId xmlns:a16="http://schemas.microsoft.com/office/drawing/2014/main" id="{60BA74C3-F1A3-4414-8B56-E5FB44A842B7}"/>
+                <a16:creationId xmlns:a16="http://schemas.microsoft.com/office/drawing/2014/main" id="{86CEBC6E-979C-4E0D-AE16-F266E1D8AA6B}"/>
               </a:ext>
             </a:extLst>
           </p:cNvPr>
@@ -10433,8 +11640,8 @@
         </p:blipFill>
         <p:spPr>
           <a:xfrm>
-            <a:off x="96121" y="1335928"/>
-            <a:ext cx="3724423" cy="3724423"/>
+            <a:off x="1063043" y="1586409"/>
+            <a:ext cx="4496104" cy="4070438"/>
           </a:xfrm>
           <a:prstGeom prst="rect">
             <a:avLst/>
@@ -10443,10 +11650,10 @@
       </p:pic>
       <p:pic>
         <p:nvPicPr>
-          <p:cNvPr id="11" name="Imagem 10" descr="Tela de celular com publicação numa rede social&#10;&#10;Descrição gerada automaticamente">
+          <p:cNvPr id="8" name="Imagem 7">
             <a:extLst>
               <a:ext uri="{FF2B5EF4-FFF2-40B4-BE49-F238E27FC236}">
-                <a16:creationId xmlns:a16="http://schemas.microsoft.com/office/drawing/2014/main" id="{A4E5E93D-E1F7-409B-8492-D2E999782961}"/>
+                <a16:creationId xmlns:a16="http://schemas.microsoft.com/office/drawing/2014/main" id="{DF949E95-C3F8-4FD9-87C6-A0612AB68908}"/>
               </a:ext>
             </a:extLst>
           </p:cNvPr>
@@ -10463,103 +11670,18 @@
         </p:blipFill>
         <p:spPr>
           <a:xfrm>
-            <a:off x="7878641" y="1335927"/>
-            <a:ext cx="3724423" cy="3724423"/>
+            <a:off x="5646635" y="1586409"/>
+            <a:ext cx="4481459" cy="4070438"/>
           </a:xfrm>
           <a:prstGeom prst="rect">
             <a:avLst/>
           </a:prstGeom>
         </p:spPr>
       </p:pic>
-      <p:pic>
-        <p:nvPicPr>
-          <p:cNvPr id="13" name="Imagem 12" descr="Tela de celular com texto preto sobre fundo branco&#10;&#10;Descrição gerada automaticamente">
-            <a:extLst>
-              <a:ext uri="{FF2B5EF4-FFF2-40B4-BE49-F238E27FC236}">
-                <a16:creationId xmlns:a16="http://schemas.microsoft.com/office/drawing/2014/main" id="{FE244408-08D7-4022-B132-FF990495BD79}"/>
-              </a:ext>
-            </a:extLst>
-          </p:cNvPr>
-          <p:cNvPicPr>
-            <a:picLocks noChangeAspect="1"/>
-          </p:cNvPicPr>
-          <p:nvPr/>
-        </p:nvPicPr>
-        <p:blipFill>
-          <a:blip r:embed="rId6"/>
-          <a:stretch>
-            <a:fillRect/>
-          </a:stretch>
-        </p:blipFill>
-        <p:spPr>
-          <a:xfrm>
-            <a:off x="3916665" y="1335928"/>
-            <a:ext cx="3865855" cy="3724423"/>
-          </a:xfrm>
-          <a:prstGeom prst="rect">
-            <a:avLst/>
-          </a:prstGeom>
-        </p:spPr>
-      </p:pic>
-      <p:sp>
-        <p:nvSpPr>
-          <p:cNvPr id="18" name="Título 1">
-            <a:extLst>
-              <a:ext uri="{FF2B5EF4-FFF2-40B4-BE49-F238E27FC236}">
-                <a16:creationId xmlns:a16="http://schemas.microsoft.com/office/drawing/2014/main" id="{66FA61CC-FCD0-4C1B-8D47-4BF1D1ECA5C2}"/>
-              </a:ext>
-            </a:extLst>
-          </p:cNvPr>
-          <p:cNvSpPr txBox="1">
-            <a:spLocks/>
-          </p:cNvSpPr>
-          <p:nvPr/>
-        </p:nvSpPr>
-        <p:spPr>
-          <a:xfrm>
-            <a:off x="3102783" y="127161"/>
-            <a:ext cx="5493618" cy="1089498"/>
-          </a:xfrm>
-          <a:prstGeom prst="rect">
-            <a:avLst/>
-          </a:prstGeom>
-        </p:spPr>
-        <p:txBody>
-          <a:bodyPr vert="horz" lIns="91440" tIns="45720" rIns="91440" bIns="45720" rtlCol="0" anchor="ctr">
-            <a:normAutofit/>
-          </a:bodyPr>
-          <a:lstStyle>
-            <a:lvl1pPr algn="r" defTabSz="914400" rtl="0" eaLnBrk="1" latinLnBrk="0" hangingPunct="1">
-              <a:lnSpc>
-                <a:spcPct val="90000"/>
-              </a:lnSpc>
-              <a:spcBef>
-                <a:spcPct val="0"/>
-              </a:spcBef>
-              <a:buNone/>
-              <a:defRPr sz="4000" kern="1200" cap="all" baseline="0">
-                <a:solidFill>
-                  <a:schemeClr val="tx1"/>
-                </a:solidFill>
-                <a:latin typeface="+mj-lt"/>
-                <a:ea typeface="+mj-ea"/>
-                <a:cs typeface="+mj-cs"/>
-              </a:defRPr>
-            </a:lvl1pPr>
-          </a:lstStyle>
-          <a:p>
-            <a:pPr algn="ctr"/>
-            <a:r>
-              <a:rPr lang="pt-BR" noProof="1"/>
-              <a:t>Personas</a:t>
-            </a:r>
-          </a:p>
-        </p:txBody>
-      </p:sp>
     </p:spTree>
     <p:extLst>
       <p:ext uri="{BB962C8B-B14F-4D97-AF65-F5344CB8AC3E}">
-        <p14:creationId xmlns:p14="http://schemas.microsoft.com/office/powerpoint/2010/main" val="2069606976"/>
+        <p14:creationId xmlns:p14="http://schemas.microsoft.com/office/powerpoint/2010/main" val="1771285666"/>
       </p:ext>
     </p:extLst>
   </p:cSld>
@@ -10763,7 +11885,7 @@
         </p:nvSpPr>
         <p:spPr>
           <a:xfrm>
-            <a:off x="3349191" y="352868"/>
+            <a:off x="3071261" y="248456"/>
             <a:ext cx="5493618" cy="1089498"/>
           </a:xfrm>
           <a:prstGeom prst="rect">
@@ -10797,18 +11919,47 @@
             <a:pPr algn="ctr"/>
             <a:r>
               <a:rPr lang="pt-BR" noProof="1"/>
-              <a:t>Lista de Requisitos</a:t>
+              <a:t>Storyboard</a:t>
             </a:r>
           </a:p>
         </p:txBody>
       </p:sp>
       <p:pic>
         <p:nvPicPr>
-          <p:cNvPr id="2" name="Imagem 1">
-            <a:hlinkClick r:id="rId4"/>
+          <p:cNvPr id="20" name="Imagem 19">
             <a:extLst>
               <a:ext uri="{FF2B5EF4-FFF2-40B4-BE49-F238E27FC236}">
-                <a16:creationId xmlns:a16="http://schemas.microsoft.com/office/drawing/2014/main" id="{58BA1F42-652D-416A-898C-4FBBCB4E90C9}"/>
+                <a16:creationId xmlns:a16="http://schemas.microsoft.com/office/drawing/2014/main" id="{ADFA0655-3744-4DD5-9790-B982538A756B}"/>
+              </a:ext>
+            </a:extLst>
+          </p:cNvPr>
+          <p:cNvPicPr>
+            <a:picLocks noChangeAspect="1"/>
+          </p:cNvPicPr>
+          <p:nvPr/>
+        </p:nvPicPr>
+        <p:blipFill>
+          <a:blip r:embed="rId4"/>
+          <a:stretch>
+            <a:fillRect/>
+          </a:stretch>
+        </p:blipFill>
+        <p:spPr>
+          <a:xfrm>
+            <a:off x="639656" y="1337954"/>
+            <a:ext cx="4816210" cy="4341567"/>
+          </a:xfrm>
+          <a:prstGeom prst="rect">
+            <a:avLst/>
+          </a:prstGeom>
+        </p:spPr>
+      </p:pic>
+      <p:pic>
+        <p:nvPicPr>
+          <p:cNvPr id="13" name="Imagem 12">
+            <a:extLst>
+              <a:ext uri="{FF2B5EF4-FFF2-40B4-BE49-F238E27FC236}">
+                <a16:creationId xmlns:a16="http://schemas.microsoft.com/office/drawing/2014/main" id="{F7D85C5B-1D09-4956-BF5C-650CD408D982}"/>
               </a:ext>
             </a:extLst>
           </p:cNvPr>
@@ -10825,8 +11976,8 @@
         </p:blipFill>
         <p:spPr>
           <a:xfrm>
-            <a:off x="1305533" y="1795234"/>
-            <a:ext cx="9088118" cy="3267531"/>
+            <a:off x="5499609" y="1337954"/>
+            <a:ext cx="4775724" cy="4341567"/>
           </a:xfrm>
           <a:prstGeom prst="rect">
             <a:avLst/>
@@ -10836,7 +11987,7 @@
     </p:spTree>
     <p:extLst>
       <p:ext uri="{BB962C8B-B14F-4D97-AF65-F5344CB8AC3E}">
-        <p14:creationId xmlns:p14="http://schemas.microsoft.com/office/powerpoint/2010/main" val="2500313957"/>
+        <p14:creationId xmlns:p14="http://schemas.microsoft.com/office/powerpoint/2010/main" val="3689384861"/>
       </p:ext>
     </p:extLst>
   </p:cSld>
@@ -11040,7 +12191,7 @@
         </p:nvSpPr>
         <p:spPr>
           <a:xfrm>
-            <a:off x="3349191" y="352868"/>
+            <a:off x="3071261" y="248456"/>
             <a:ext cx="5493618" cy="1089498"/>
           </a:xfrm>
           <a:prstGeom prst="rect">
@@ -11074,18 +12225,17 @@
             <a:pPr algn="ctr"/>
             <a:r>
               <a:rPr lang="pt-BR" noProof="1"/>
-              <a:t>BackLog</a:t>
+              <a:t>Storyboard</a:t>
             </a:r>
           </a:p>
         </p:txBody>
       </p:sp>
       <p:pic>
         <p:nvPicPr>
-          <p:cNvPr id="4" name="Imagem 3">
-            <a:hlinkClick r:id="rId4"/>
+          <p:cNvPr id="3" name="Imagem 2">
             <a:extLst>
               <a:ext uri="{FF2B5EF4-FFF2-40B4-BE49-F238E27FC236}">
-                <a16:creationId xmlns:a16="http://schemas.microsoft.com/office/drawing/2014/main" id="{8BF04A78-059C-44DB-A3CC-960FE38E9D0F}"/>
+                <a16:creationId xmlns:a16="http://schemas.microsoft.com/office/drawing/2014/main" id="{94ECFCDC-883B-4BF5-AADA-ABFCEE65D60C}"/>
               </a:ext>
             </a:extLst>
           </p:cNvPr>
@@ -11095,15 +12245,15 @@
           <p:nvPr/>
         </p:nvPicPr>
         <p:blipFill>
-          <a:blip r:embed="rId5"/>
+          <a:blip r:embed="rId4"/>
           <a:stretch>
             <a:fillRect/>
           </a:stretch>
         </p:blipFill>
         <p:spPr>
           <a:xfrm>
-            <a:off x="513571" y="1442366"/>
-            <a:ext cx="11164858" cy="4420217"/>
+            <a:off x="3662596" y="1586410"/>
+            <a:ext cx="4631043" cy="4218784"/>
           </a:xfrm>
           <a:prstGeom prst="rect">
             <a:avLst/>
@@ -11113,7 +12263,7 @@
     </p:spTree>
     <p:extLst>
       <p:ext uri="{BB962C8B-B14F-4D97-AF65-F5344CB8AC3E}">
-        <p14:creationId xmlns:p14="http://schemas.microsoft.com/office/powerpoint/2010/main" val="2204573842"/>
+        <p14:creationId xmlns:p14="http://schemas.microsoft.com/office/powerpoint/2010/main" val="2277296850"/>
       </p:ext>
     </p:extLst>
   </p:cSld>
@@ -11301,67 +12451,12 @@
           </a:prstGeom>
         </p:spPr>
       </p:pic>
-      <p:sp>
-        <p:nvSpPr>
-          <p:cNvPr id="18" name="Título 1">
+      <p:pic>
+        <p:nvPicPr>
+          <p:cNvPr id="9" name="Imagem 8" descr="Tela de celular com publicação numa rede social&#10;&#10;Descrição gerada automaticamente">
             <a:extLst>
               <a:ext uri="{FF2B5EF4-FFF2-40B4-BE49-F238E27FC236}">
-                <a16:creationId xmlns:a16="http://schemas.microsoft.com/office/drawing/2014/main" id="{66FA61CC-FCD0-4C1B-8D47-4BF1D1ECA5C2}"/>
-              </a:ext>
-            </a:extLst>
-          </p:cNvPr>
-          <p:cNvSpPr txBox="1">
-            <a:spLocks/>
-          </p:cNvSpPr>
-          <p:nvPr/>
-        </p:nvSpPr>
-        <p:spPr>
-          <a:xfrm>
-            <a:off x="3349190" y="218907"/>
-            <a:ext cx="5493618" cy="1089498"/>
-          </a:xfrm>
-          <a:prstGeom prst="rect">
-            <a:avLst/>
-          </a:prstGeom>
-        </p:spPr>
-        <p:txBody>
-          <a:bodyPr vert="horz" lIns="91440" tIns="45720" rIns="91440" bIns="45720" rtlCol="0" anchor="ctr">
-            <a:normAutofit lnSpcReduction="10000"/>
-          </a:bodyPr>
-          <a:lstStyle>
-            <a:lvl1pPr algn="r" defTabSz="914400" rtl="0" eaLnBrk="1" latinLnBrk="0" hangingPunct="1">
-              <a:lnSpc>
-                <a:spcPct val="90000"/>
-              </a:lnSpc>
-              <a:spcBef>
-                <a:spcPct val="0"/>
-              </a:spcBef>
-              <a:buNone/>
-              <a:defRPr sz="4000" kern="1200" cap="all" baseline="0">
-                <a:solidFill>
-                  <a:schemeClr val="tx1"/>
-                </a:solidFill>
-                <a:latin typeface="+mj-lt"/>
-                <a:ea typeface="+mj-ea"/>
-                <a:cs typeface="+mj-cs"/>
-              </a:defRPr>
-            </a:lvl1pPr>
-          </a:lstStyle>
-          <a:p>
-            <a:pPr algn="ctr"/>
-            <a:r>
-              <a:rPr lang="pt-BR" noProof="1"/>
-              <a:t>Desenho da solução</a:t>
-            </a:r>
-          </a:p>
-        </p:txBody>
-      </p:sp>
-      <p:pic>
-        <p:nvPicPr>
-          <p:cNvPr id="4" name="Imagem 3" descr="Texto preto sobre fundo branco&#10;&#10;Descrição gerada automaticamente">
-            <a:extLst>
-              <a:ext uri="{FF2B5EF4-FFF2-40B4-BE49-F238E27FC236}">
-                <a16:creationId xmlns:a16="http://schemas.microsoft.com/office/drawing/2014/main" id="{C8518F03-8B3C-4C36-A54C-11A00D545BA8}"/>
+                <a16:creationId xmlns:a16="http://schemas.microsoft.com/office/drawing/2014/main" id="{60BA74C3-F1A3-4414-8B56-E5FB44A842B7}"/>
               </a:ext>
             </a:extLst>
           </p:cNvPr>
@@ -11378,18 +12473,133 @@
         </p:blipFill>
         <p:spPr>
           <a:xfrm>
-            <a:off x="2461447" y="1740683"/>
-            <a:ext cx="7292972" cy="4092295"/>
+            <a:off x="96121" y="1335928"/>
+            <a:ext cx="3724423" cy="3724423"/>
           </a:xfrm>
           <a:prstGeom prst="rect">
             <a:avLst/>
           </a:prstGeom>
         </p:spPr>
       </p:pic>
+      <p:pic>
+        <p:nvPicPr>
+          <p:cNvPr id="11" name="Imagem 10" descr="Tela de celular com publicação numa rede social&#10;&#10;Descrição gerada automaticamente">
+            <a:extLst>
+              <a:ext uri="{FF2B5EF4-FFF2-40B4-BE49-F238E27FC236}">
+                <a16:creationId xmlns:a16="http://schemas.microsoft.com/office/drawing/2014/main" id="{A4E5E93D-E1F7-409B-8492-D2E999782961}"/>
+              </a:ext>
+            </a:extLst>
+          </p:cNvPr>
+          <p:cNvPicPr>
+            <a:picLocks noChangeAspect="1"/>
+          </p:cNvPicPr>
+          <p:nvPr/>
+        </p:nvPicPr>
+        <p:blipFill>
+          <a:blip r:embed="rId5"/>
+          <a:stretch>
+            <a:fillRect/>
+          </a:stretch>
+        </p:blipFill>
+        <p:spPr>
+          <a:xfrm>
+            <a:off x="7878641" y="1335927"/>
+            <a:ext cx="3724423" cy="3724423"/>
+          </a:xfrm>
+          <a:prstGeom prst="rect">
+            <a:avLst/>
+          </a:prstGeom>
+        </p:spPr>
+      </p:pic>
+      <p:pic>
+        <p:nvPicPr>
+          <p:cNvPr id="13" name="Imagem 12" descr="Tela de celular com texto preto sobre fundo branco&#10;&#10;Descrição gerada automaticamente">
+            <a:extLst>
+              <a:ext uri="{FF2B5EF4-FFF2-40B4-BE49-F238E27FC236}">
+                <a16:creationId xmlns:a16="http://schemas.microsoft.com/office/drawing/2014/main" id="{FE244408-08D7-4022-B132-FF990495BD79}"/>
+              </a:ext>
+            </a:extLst>
+          </p:cNvPr>
+          <p:cNvPicPr>
+            <a:picLocks noChangeAspect="1"/>
+          </p:cNvPicPr>
+          <p:nvPr/>
+        </p:nvPicPr>
+        <p:blipFill>
+          <a:blip r:embed="rId6"/>
+          <a:stretch>
+            <a:fillRect/>
+          </a:stretch>
+        </p:blipFill>
+        <p:spPr>
+          <a:xfrm>
+            <a:off x="3916665" y="1335928"/>
+            <a:ext cx="3865855" cy="3724423"/>
+          </a:xfrm>
+          <a:prstGeom prst="rect">
+            <a:avLst/>
+          </a:prstGeom>
+        </p:spPr>
+      </p:pic>
+      <p:sp>
+        <p:nvSpPr>
+          <p:cNvPr id="18" name="Título 1">
+            <a:extLst>
+              <a:ext uri="{FF2B5EF4-FFF2-40B4-BE49-F238E27FC236}">
+                <a16:creationId xmlns:a16="http://schemas.microsoft.com/office/drawing/2014/main" id="{66FA61CC-FCD0-4C1B-8D47-4BF1D1ECA5C2}"/>
+              </a:ext>
+            </a:extLst>
+          </p:cNvPr>
+          <p:cNvSpPr txBox="1">
+            <a:spLocks/>
+          </p:cNvSpPr>
+          <p:nvPr/>
+        </p:nvSpPr>
+        <p:spPr>
+          <a:xfrm>
+            <a:off x="3102783" y="127161"/>
+            <a:ext cx="5493618" cy="1089498"/>
+          </a:xfrm>
+          <a:prstGeom prst="rect">
+            <a:avLst/>
+          </a:prstGeom>
+        </p:spPr>
+        <p:txBody>
+          <a:bodyPr vert="horz" lIns="91440" tIns="45720" rIns="91440" bIns="45720" rtlCol="0" anchor="ctr">
+            <a:normAutofit/>
+          </a:bodyPr>
+          <a:lstStyle>
+            <a:lvl1pPr algn="r" defTabSz="914400" rtl="0" eaLnBrk="1" latinLnBrk="0" hangingPunct="1">
+              <a:lnSpc>
+                <a:spcPct val="90000"/>
+              </a:lnSpc>
+              <a:spcBef>
+                <a:spcPct val="0"/>
+              </a:spcBef>
+              <a:buNone/>
+              <a:defRPr sz="4000" kern="1200" cap="all" baseline="0">
+                <a:solidFill>
+                  <a:schemeClr val="tx1"/>
+                </a:solidFill>
+                <a:latin typeface="+mj-lt"/>
+                <a:ea typeface="+mj-ea"/>
+                <a:cs typeface="+mj-cs"/>
+              </a:defRPr>
+            </a:lvl1pPr>
+          </a:lstStyle>
+          <a:p>
+            <a:pPr algn="ctr"/>
+            <a:r>
+              <a:rPr lang="pt-BR" noProof="1"/>
+              <a:t>Personas</a:t>
+            </a:r>
+          </a:p>
+        </p:txBody>
+      </p:sp>
     </p:spTree>
     <p:extLst>
       <p:ext uri="{BB962C8B-B14F-4D97-AF65-F5344CB8AC3E}">
-        <p14:creationId xmlns:p14="http://schemas.microsoft.com/office/powerpoint/2010/main" val="1557322236"/>
+        <p14:creationId xmlns:p14="http://schemas.microsoft.com/office/powerpoint/2010/main" val="2069606976"/>
       </p:ext>
     </p:extLst>
   </p:cSld>
@@ -11423,10 +12633,10 @@
       </p:grpSpPr>
       <p:sp useBgFill="1">
         <p:nvSpPr>
-          <p:cNvPr id="8" name="Retângulo 7">
+          <p:cNvPr id="17" name="Retângulo 16">
             <a:extLst>
               <a:ext uri="{FF2B5EF4-FFF2-40B4-BE49-F238E27FC236}">
-                <a16:creationId xmlns:a16="http://schemas.microsoft.com/office/drawing/2014/main" id="{A38A195E-584A-485A-BECD-66468900B947}"/>
+                <a16:creationId xmlns:a16="http://schemas.microsoft.com/office/drawing/2014/main" id="{50496C6C-A85F-426B-9ED1-3444166CE4E1}"/>
               </a:ext>
               <a:ext uri="{C183D7F6-B498-43B3-948B-1728B52AA6E4}">
                 <adec:decorative xmlns:adec="http://schemas.microsoft.com/office/drawing/2017/decorative" val="1"/>
@@ -11447,7 +12657,7 @@
         <p:spPr>
           <a:xfrm>
             <a:off x="0" y="0"/>
-            <a:ext cx="12192000" cy="6858000"/>
+            <a:ext cx="12192000" cy="6858002"/>
           </a:xfrm>
           <a:prstGeom prst="rect">
             <a:avLst/>
@@ -11481,21 +12691,21 @@
           </a:p>
         </p:txBody>
       </p:sp>
-      <p:sp>
-        <p:nvSpPr>
-          <p:cNvPr id="10" name="Retângulo 9">
+      <p:cxnSp>
+        <p:nvCxnSpPr>
+          <p:cNvPr id="19" name="Conector Reto 18">
             <a:extLst>
               <a:ext uri="{FF2B5EF4-FFF2-40B4-BE49-F238E27FC236}">
-                <a16:creationId xmlns:a16="http://schemas.microsoft.com/office/drawing/2014/main" id="{840177A7-740C-43C7-8F2D-BD7067F12C9C}"/>
+                <a16:creationId xmlns:a16="http://schemas.microsoft.com/office/drawing/2014/main" id="{AD0EF22F-5D3C-4240-8C32-1B20803E5A89}"/>
               </a:ext>
               <a:ext uri="{C183D7F6-B498-43B3-948B-1728B52AA6E4}">
                 <adec:decorative xmlns:adec="http://schemas.microsoft.com/office/drawing/2017/decorative" val="1"/>
               </a:ext>
             </a:extLst>
           </p:cNvPr>
-          <p:cNvSpPr>
-            <a:spLocks noGrp="1" noRot="1" noChangeAspect="1" noMove="1" noResize="1" noEditPoints="1" noAdjustHandles="1" noChangeArrowheads="1" noChangeShapeType="1" noTextEdit="1"/>
-          </p:cNvSpPr>
+          <p:cNvCxnSpPr>
+            <a:cxnSpLocks noGrp="1" noRot="1" noChangeAspect="1" noMove="1" noResize="1" noEditPoints="1" noAdjustHandles="1" noChangeArrowheads="1" noChangeShapeType="1"/>
+          </p:cNvCxnSpPr>
           <p:nvPr>
             <p:extLst>
               <p:ext uri="{386F3935-93C4-4BCD-93E2-E3B085C9AB24}">
@@ -11503,92 +12713,42 @@
               </p:ext>
             </p:extLst>
           </p:nvPr>
-        </p:nvSpPr>
-        <p:spPr>
-          <a:xfrm>
-            <a:off x="0" y="0"/>
-            <a:ext cx="3406393" cy="6858000"/>
-          </a:xfrm>
-          <a:prstGeom prst="rect">
+        </p:nvCxnSpPr>
+        <p:spPr>
+          <a:xfrm>
+            <a:off x="7397108" y="1923563"/>
+            <a:ext cx="0" cy="3017520"/>
+          </a:xfrm>
+          <a:prstGeom prst="line">
             <a:avLst/>
           </a:prstGeom>
-          <a:solidFill>
-            <a:schemeClr val="bg1">
-              <a:lumMod val="95000"/>
-              <a:lumOff val="5000"/>
-            </a:schemeClr>
-          </a:solidFill>
-          <a:ln>
-            <a:noFill/>
+          <a:ln w="15875">
+            <a:solidFill>
+              <a:schemeClr val="tx1"/>
+            </a:solidFill>
           </a:ln>
-          <a:effectLst>
-            <a:outerShdw blurRad="63500" dist="38100" algn="l" rotWithShape="0">
-              <a:prstClr val="black">
-                <a:alpha val="40000"/>
-              </a:prstClr>
-            </a:outerShdw>
-          </a:effectLst>
         </p:spPr>
         <p:style>
-          <a:lnRef idx="2">
-            <a:schemeClr val="accent1">
-              <a:shade val="50000"/>
-            </a:schemeClr>
+          <a:lnRef idx="1">
+            <a:schemeClr val="accent1"/>
           </a:lnRef>
-          <a:fillRef idx="1">
+          <a:fillRef idx="0">
             <a:schemeClr val="accent1"/>
           </a:fillRef>
           <a:effectRef idx="0">
             <a:schemeClr val="accent1"/>
           </a:effectRef>
           <a:fontRef idx="minor">
-            <a:schemeClr val="lt1"/>
+            <a:schemeClr val="tx1"/>
           </a:fontRef>
         </p:style>
-        <p:txBody>
-          <a:bodyPr rtlCol="0" anchor="ctr"/>
-          <a:lstStyle/>
-          <a:p>
-            <a:pPr marL="0" marR="0" lvl="0" indent="0" algn="ctr" defTabSz="457200" rtl="0" eaLnBrk="1" fontAlgn="auto" latinLnBrk="0" hangingPunct="1">
-              <a:lnSpc>
-                <a:spcPct val="100000"/>
-              </a:lnSpc>
-              <a:spcBef>
-                <a:spcPts val="0"/>
-              </a:spcBef>
-              <a:spcAft>
-                <a:spcPts val="0"/>
-              </a:spcAft>
-              <a:buClrTx/>
-              <a:buSzTx/>
-              <a:buFontTx/>
-              <a:buNone/>
-              <a:tabLst/>
-              <a:defRPr/>
-            </a:pPr>
-            <a:endParaRPr kumimoji="0" lang="pt-BR" sz="1800" b="0" i="0" u="none" strike="noStrike" kern="1200" cap="none" spc="0" normalizeH="0" baseline="0" noProof="1">
-              <a:ln>
-                <a:noFill/>
-              </a:ln>
-              <a:solidFill>
-                <a:prstClr val="white"/>
-              </a:solidFill>
-              <a:effectLst/>
-              <a:uLnTx/>
-              <a:uFillTx/>
-              <a:latin typeface="Century Gothic" panose="020B0502020202020204"/>
-              <a:ea typeface="+mn-ea"/>
-              <a:cs typeface="+mn-cs"/>
-            </a:endParaRPr>
-          </a:p>
-        </p:txBody>
-      </p:sp>
+      </p:cxnSp>
       <p:pic>
         <p:nvPicPr>
-          <p:cNvPr id="12" name="Imagem 11">
+          <p:cNvPr id="21" name="Imagem 20">
             <a:extLst>
               <a:ext uri="{FF2B5EF4-FFF2-40B4-BE49-F238E27FC236}">
-                <a16:creationId xmlns:a16="http://schemas.microsoft.com/office/drawing/2014/main" id="{FF525AAA-82CE-4027-A26C-B0EFFD856F2E}"/>
+                <a16:creationId xmlns:a16="http://schemas.microsoft.com/office/drawing/2014/main" id="{D912EF34-0253-41FD-9940-D8FBB7DE74B1}"/>
               </a:ext>
               <a:ext uri="{C183D7F6-B498-43B3-948B-1728B52AA6E4}">
                 <adec:decorative xmlns:adec="http://schemas.microsoft.com/office/drawing/2017/decorative" val="1"/>
@@ -11619,7 +12779,7 @@
         </p:blipFill>
         <p:spPr>
           <a:xfrm rot="5400000" flipH="1" flipV="1">
-            <a:off x="-1265719" y="2187575"/>
+            <a:off x="7545075" y="2187578"/>
             <a:ext cx="6857999" cy="2482850"/>
           </a:xfrm>
           <a:prstGeom prst="rect">
@@ -11629,95 +12789,94 @@
       </p:pic>
       <p:sp>
         <p:nvSpPr>
-          <p:cNvPr id="2" name="Título 1">
+          <p:cNvPr id="18" name="Título 1">
             <a:extLst>
               <a:ext uri="{FF2B5EF4-FFF2-40B4-BE49-F238E27FC236}">
-                <a16:creationId xmlns:a16="http://schemas.microsoft.com/office/drawing/2014/main" id="{A389EA88-8D83-4F3F-A4C1-4B16E2377F9E}"/>
+                <a16:creationId xmlns:a16="http://schemas.microsoft.com/office/drawing/2014/main" id="{66FA61CC-FCD0-4C1B-8D47-4BF1D1ECA5C2}"/>
               </a:ext>
             </a:extLst>
           </p:cNvPr>
-          <p:cNvSpPr>
-            <a:spLocks noGrp="1"/>
-          </p:cNvSpPr>
-          <p:nvPr>
-            <p:ph type="title"/>
-          </p:nvPr>
-        </p:nvSpPr>
-        <p:spPr>
-          <a:xfrm>
-            <a:off x="4090507" y="764373"/>
-            <a:ext cx="7434070" cy="1474330"/>
-          </a:xfrm>
-        </p:spPr>
-        <p:txBody>
-          <a:bodyPr rtlCol="0">
+          <p:cNvSpPr txBox="1">
+            <a:spLocks/>
+          </p:cNvSpPr>
+          <p:nvPr/>
+        </p:nvSpPr>
+        <p:spPr>
+          <a:xfrm>
+            <a:off x="3349191" y="352868"/>
+            <a:ext cx="5493618" cy="1089498"/>
+          </a:xfrm>
+          <a:prstGeom prst="rect">
+            <a:avLst/>
+          </a:prstGeom>
+        </p:spPr>
+        <p:txBody>
+          <a:bodyPr vert="horz" lIns="91440" tIns="45720" rIns="91440" bIns="45720" rtlCol="0" anchor="ctr">
             <a:normAutofit/>
           </a:bodyPr>
-          <a:lstStyle/>
+          <a:lstStyle>
+            <a:lvl1pPr algn="r" defTabSz="914400" rtl="0" eaLnBrk="1" latinLnBrk="0" hangingPunct="1">
+              <a:lnSpc>
+                <a:spcPct val="90000"/>
+              </a:lnSpc>
+              <a:spcBef>
+                <a:spcPct val="0"/>
+              </a:spcBef>
+              <a:buNone/>
+              <a:defRPr sz="4000" kern="1200" cap="all" baseline="0">
+                <a:solidFill>
+                  <a:schemeClr val="tx1"/>
+                </a:solidFill>
+                <a:latin typeface="+mj-lt"/>
+                <a:ea typeface="+mj-ea"/>
+                <a:cs typeface="+mj-cs"/>
+              </a:defRPr>
+            </a:lvl1pPr>
+          </a:lstStyle>
           <a:p>
             <a:pPr algn="ctr"/>
             <a:r>
               <a:rPr lang="pt-BR" noProof="1"/>
-              <a:t>Pesquisa de Campo</a:t>
+              <a:t>Lista de Requisitos</a:t>
             </a:r>
           </a:p>
         </p:txBody>
       </p:sp>
-      <p:sp>
-        <p:nvSpPr>
-          <p:cNvPr id="3" name="Espaço Reservado para Conteúdo 2">
+      <p:pic>
+        <p:nvPicPr>
+          <p:cNvPr id="2" name="Imagem 1">
+            <a:hlinkClick r:id="rId4"/>
             <a:extLst>
               <a:ext uri="{FF2B5EF4-FFF2-40B4-BE49-F238E27FC236}">
-                <a16:creationId xmlns:a16="http://schemas.microsoft.com/office/drawing/2014/main" id="{9F541FAF-730D-47FE-9638-C05616C31320}"/>
+                <a16:creationId xmlns:a16="http://schemas.microsoft.com/office/drawing/2014/main" id="{58BA1F42-652D-416A-898C-4FBBCB4E90C9}"/>
               </a:ext>
             </a:extLst>
           </p:cNvPr>
-          <p:cNvSpPr>
-            <a:spLocks noGrp="1"/>
-          </p:cNvSpPr>
-          <p:nvPr>
-            <p:ph idx="1"/>
-          </p:nvPr>
-        </p:nvSpPr>
-        <p:spPr>
-          <a:xfrm>
-            <a:off x="4090507" y="2628900"/>
-            <a:ext cx="7454077" cy="3589785"/>
-          </a:xfrm>
-        </p:spPr>
-        <p:txBody>
-          <a:bodyPr rtlCol="0">
-            <a:normAutofit/>
-          </a:bodyPr>
-          <a:lstStyle/>
-          <a:p>
-            <a:pPr rtl="0">
-              <a:lnSpc>
-                <a:spcPct val="100000"/>
-              </a:lnSpc>
-            </a:pPr>
-            <a:r>
-              <a:rPr lang="pt-BR" sz="2000" noProof="1"/>
-              <a:t>Jornada do Usuário.</a:t>
-            </a:r>
-          </a:p>
-          <a:p>
-            <a:pPr rtl="0">
-              <a:lnSpc>
-                <a:spcPct val="100000"/>
-              </a:lnSpc>
-            </a:pPr>
-            <a:r>
-              <a:rPr lang="pt-BR" sz="2000" noProof="1"/>
-              <a:t>Mapa de Empatia. </a:t>
-            </a:r>
-          </a:p>
-        </p:txBody>
-      </p:sp>
+          <p:cNvPicPr>
+            <a:picLocks noChangeAspect="1"/>
+          </p:cNvPicPr>
+          <p:nvPr/>
+        </p:nvPicPr>
+        <p:blipFill>
+          <a:blip r:embed="rId5"/>
+          <a:stretch>
+            <a:fillRect/>
+          </a:stretch>
+        </p:blipFill>
+        <p:spPr>
+          <a:xfrm>
+            <a:off x="1305533" y="1795234"/>
+            <a:ext cx="9088118" cy="3267531"/>
+          </a:xfrm>
+          <a:prstGeom prst="rect">
+            <a:avLst/>
+          </a:prstGeom>
+        </p:spPr>
+      </p:pic>
     </p:spTree>
     <p:extLst>
       <p:ext uri="{BB962C8B-B14F-4D97-AF65-F5344CB8AC3E}">
-        <p14:creationId xmlns:p14="http://schemas.microsoft.com/office/powerpoint/2010/main" val="2936306840"/>
+        <p14:creationId xmlns:p14="http://schemas.microsoft.com/office/powerpoint/2010/main" val="2500313957"/>
       </p:ext>
     </p:extLst>
   </p:cSld>
@@ -11921,7 +13080,7 @@
         </p:nvSpPr>
         <p:spPr>
           <a:xfrm>
-            <a:off x="3349190" y="218907"/>
+            <a:off x="3349191" y="352868"/>
             <a:ext cx="5493618" cy="1089498"/>
           </a:xfrm>
           <a:prstGeom prst="rect">
@@ -11930,7 +13089,7 @@
         </p:spPr>
         <p:txBody>
           <a:bodyPr vert="horz" lIns="91440" tIns="45720" rIns="91440" bIns="45720" rtlCol="0" anchor="ctr">
-            <a:normAutofit lnSpcReduction="10000"/>
+            <a:normAutofit/>
           </a:bodyPr>
           <a:lstStyle>
             <a:lvl1pPr algn="r" defTabSz="914400" rtl="0" eaLnBrk="1" latinLnBrk="0" hangingPunct="1">
@@ -11955,17 +13114,18 @@
             <a:pPr algn="ctr"/>
             <a:r>
               <a:rPr lang="pt-BR" noProof="1"/>
-              <a:t>Jornada do Usuário</a:t>
+              <a:t>BackLog</a:t>
             </a:r>
           </a:p>
         </p:txBody>
       </p:sp>
       <p:pic>
         <p:nvPicPr>
-          <p:cNvPr id="2" name="Imagem 1">
+          <p:cNvPr id="4" name="Imagem 3">
+            <a:hlinkClick r:id="rId4"/>
             <a:extLst>
               <a:ext uri="{FF2B5EF4-FFF2-40B4-BE49-F238E27FC236}">
-                <a16:creationId xmlns:a16="http://schemas.microsoft.com/office/drawing/2014/main" id="{9367B5C0-A063-424C-B5F4-EA5786DB1925}"/>
+                <a16:creationId xmlns:a16="http://schemas.microsoft.com/office/drawing/2014/main" id="{8BF04A78-059C-44DB-A3CC-960FE38E9D0F}"/>
               </a:ext>
             </a:extLst>
           </p:cNvPr>
@@ -11975,15 +13135,15 @@
           <p:nvPr/>
         </p:nvPicPr>
         <p:blipFill>
-          <a:blip r:embed="rId4"/>
+          <a:blip r:embed="rId5"/>
           <a:stretch>
             <a:fillRect/>
           </a:stretch>
         </p:blipFill>
         <p:spPr>
           <a:xfrm>
-            <a:off x="587489" y="1527312"/>
-            <a:ext cx="9627806" cy="4535863"/>
+            <a:off x="513571" y="1442366"/>
+            <a:ext cx="11164858" cy="4420217"/>
           </a:xfrm>
           <a:prstGeom prst="rect">
             <a:avLst/>
@@ -11993,7 +13153,7 @@
     </p:spTree>
     <p:extLst>
       <p:ext uri="{BB962C8B-B14F-4D97-AF65-F5344CB8AC3E}">
-        <p14:creationId xmlns:p14="http://schemas.microsoft.com/office/powerpoint/2010/main" val="136265990"/>
+        <p14:creationId xmlns:p14="http://schemas.microsoft.com/office/powerpoint/2010/main" val="2204573842"/>
       </p:ext>
     </p:extLst>
   </p:cSld>
@@ -12231,17 +13391,17 @@
             <a:pPr algn="ctr"/>
             <a:r>
               <a:rPr lang="pt-BR" noProof="1"/>
-              <a:t>Mapa de Empatia doador</a:t>
+              <a:t>Desenho da solução</a:t>
             </a:r>
           </a:p>
         </p:txBody>
       </p:sp>
       <p:pic>
         <p:nvPicPr>
-          <p:cNvPr id="4" name="Imagem 3" descr="Uma imagem contendo mapa&#10;&#10;Descrição gerada automaticamente">
+          <p:cNvPr id="3" name="Imagem 2" descr="Uma imagem contendo texto&#10;&#10;Descrição gerada automaticamente">
             <a:extLst>
               <a:ext uri="{FF2B5EF4-FFF2-40B4-BE49-F238E27FC236}">
-                <a16:creationId xmlns:a16="http://schemas.microsoft.com/office/drawing/2014/main" id="{B6968916-A513-4740-9389-EB800BF333C2}"/>
+                <a16:creationId xmlns:a16="http://schemas.microsoft.com/office/drawing/2014/main" id="{0AF9DC67-3124-465E-BB4D-C9423295E055}"/>
               </a:ext>
             </a:extLst>
           </p:cNvPr>
@@ -12258,8 +13418,8 @@
         </p:blipFill>
         <p:spPr>
           <a:xfrm>
-            <a:off x="1202961" y="1308405"/>
-            <a:ext cx="8084767" cy="5065476"/>
+            <a:off x="1247214" y="1429294"/>
+            <a:ext cx="8485435" cy="4770728"/>
           </a:xfrm>
           <a:prstGeom prst="rect">
             <a:avLst/>
@@ -12269,7 +13429,7 @@
     </p:spTree>
     <p:extLst>
       <p:ext uri="{BB962C8B-B14F-4D97-AF65-F5344CB8AC3E}">
-        <p14:creationId xmlns:p14="http://schemas.microsoft.com/office/powerpoint/2010/main" val="2426230815"/>
+        <p14:creationId xmlns:p14="http://schemas.microsoft.com/office/powerpoint/2010/main" val="1557322236"/>
       </p:ext>
     </p:extLst>
   </p:cSld>
@@ -13106,6 +14266,15 @@
 </file>
 
 <file path=customXml/item1.xml><?xml version="1.0" encoding="utf-8"?>
+<?mso-contentType ?>
+<FormTemplates xmlns="http://schemas.microsoft.com/sharepoint/v3/contenttype/forms">
+  <Display>DocumentLibraryForm</Display>
+  <Edit>DocumentLibraryForm</Edit>
+  <New>DocumentLibraryForm</New>
+</FormTemplates>
+</file>
+
+<file path=customXml/item2.xml><?xml version="1.0" encoding="utf-8"?>
 <ct:contentTypeSchema xmlns:ct="http://schemas.microsoft.com/office/2006/metadata/contentType" xmlns:ma="http://schemas.microsoft.com/office/2006/metadata/properties/metaAttributes" ct:_="" ma:_="" ma:contentTypeName="Document" ma:contentTypeID="0x01010079F111ED35F8CC479449609E8A0923A6" ma:contentTypeVersion="11" ma:contentTypeDescription="Create a new document." ma:contentTypeScope="" ma:versionID="9677210f24a1be23c92c90fd886aa0aa">
   <xsd:schema xmlns:xsd="http://www.w3.org/2001/XMLSchema" xmlns:xs="http://www.w3.org/2001/XMLSchema" xmlns:p="http://schemas.microsoft.com/office/2006/metadata/properties" xmlns:ns2="71af3243-3dd4-4a8d-8c0d-dd76da1f02a5" xmlns:ns3="16c05727-aa75-4e4a-9b5f-8a80a1165891" targetNamespace="http://schemas.microsoft.com/office/2006/metadata/properties" ma:root="true" ma:fieldsID="60e05723c5c1908df1a1a4ebf11d344e" ns2:_="" ns3:_="">
     <xsd:import namespace="71af3243-3dd4-4a8d-8c0d-dd76da1f02a5"/>
@@ -13316,15 +14485,6 @@
 </ct:contentTypeSchema>
 </file>
 
-<file path=customXml/item2.xml><?xml version="1.0" encoding="utf-8"?>
-<?mso-contentType ?>
-<FormTemplates xmlns="http://schemas.microsoft.com/sharepoint/v3/contenttype/forms">
-  <Display>DocumentLibraryForm</Display>
-  <Edit>DocumentLibraryForm</Edit>
-  <New>DocumentLibraryForm</New>
-</FormTemplates>
-</file>
-
 <file path=customXml/item3.xml><?xml version="1.0" encoding="utf-8"?>
 <p:properties xmlns:p="http://schemas.microsoft.com/office/2006/metadata/properties" xmlns:xsi="http://www.w3.org/2001/XMLSchema-instance" xmlns:pc="http://schemas.microsoft.com/office/infopath/2007/PartnerControls">
   <documentManagement>
@@ -13334,6 +14494,14 @@
 </file>
 
 <file path=customXml/itemProps1.xml><?xml version="1.0" encoding="utf-8"?>
+<ds:datastoreItem xmlns:ds="http://schemas.openxmlformats.org/officeDocument/2006/customXml" ds:itemID="{10BEB954-4024-4CCF-A9D6-4C00FDC028D9}">
+  <ds:schemaRefs>
+    <ds:schemaRef ds:uri="http://schemas.microsoft.com/sharepoint/v3/contenttype/forms"/>
+  </ds:schemaRefs>
+</ds:datastoreItem>
+</file>
+
+<file path=customXml/itemProps2.xml><?xml version="1.0" encoding="utf-8"?>
 <ds:datastoreItem xmlns:ds="http://schemas.openxmlformats.org/officeDocument/2006/customXml" ds:itemID="{AB96CC85-5758-41C0-8EFD-737AFB69121D}">
   <ds:schemaRefs>
     <ds:schemaRef ds:uri="http://schemas.microsoft.com/office/2006/metadata/contentType"/>
@@ -13352,14 +14520,6 @@
 </ds:datastoreItem>
 </file>
 
-<file path=customXml/itemProps2.xml><?xml version="1.0" encoding="utf-8"?>
-<ds:datastoreItem xmlns:ds="http://schemas.openxmlformats.org/officeDocument/2006/customXml" ds:itemID="{10BEB954-4024-4CCF-A9D6-4C00FDC028D9}">
-  <ds:schemaRefs>
-    <ds:schemaRef ds:uri="http://schemas.microsoft.com/sharepoint/v3/contenttype/forms"/>
-  </ds:schemaRefs>
-</ds:datastoreItem>
-</file>
-
 <file path=customXml/itemProps3.xml><?xml version="1.0" encoding="utf-8"?>
 <ds:datastoreItem xmlns:ds="http://schemas.openxmlformats.org/officeDocument/2006/customXml" ds:itemID="{4710EE66-8707-456F-8F2E-091D581CB030}">
   <ds:schemaRefs>
